--- a/CaseStudy2_Thibeaux/CaseStudy2_Thibeaux_Ppt.pptx
+++ b/CaseStudy2_Thibeaux/CaseStudy2_Thibeaux_Ppt.pptx
@@ -982,7 +982,7 @@
           <a:p>
             <a:fld id="{B565716D-39C9-48C4-A3EB-B88E4515427D}" type="datetimeFigureOut">
               <a:rPr lang="en-US" smtClean="0"/>
-              <a:t>4/15/2023</a:t>
+              <a:t>4/16/2023</a:t>
             </a:fld>
             <a:endParaRPr lang="en-US" dirty="0"/>
           </a:p>
@@ -1540,6 +1540,18 @@
   <p:clrMapOvr>
     <a:masterClrMapping/>
   </p:clrMapOvr>
+  <mc:AlternateContent xmlns:mc="http://schemas.openxmlformats.org/markup-compatibility/2006" xmlns:p15="http://schemas.microsoft.com/office/powerpoint/2012/main">
+    <mc:Choice Requires="p15">
+      <p:transition xmlns:p14="http://schemas.microsoft.com/office/powerpoint/2010/main" spd="slow" p14:dur="1250">
+        <p15:prstTrans prst="pageCurlDouble"/>
+      </p:transition>
+    </mc:Choice>
+    <mc:Fallback xmlns="">
+      <p:transition spd="slow">
+        <p:fade/>
+      </p:transition>
+    </mc:Fallback>
+  </mc:AlternateContent>
 </p:sldLayout>
 </file>
 
@@ -3259,6 +3271,18 @@
   <p:clrMapOvr>
     <a:masterClrMapping/>
   </p:clrMapOvr>
+  <mc:AlternateContent xmlns:mc="http://schemas.openxmlformats.org/markup-compatibility/2006" xmlns:p15="http://schemas.microsoft.com/office/powerpoint/2012/main">
+    <mc:Choice Requires="p15">
+      <p:transition xmlns:p14="http://schemas.microsoft.com/office/powerpoint/2010/main" spd="slow" p14:dur="1250">
+        <p15:prstTrans prst="pageCurlDouble"/>
+      </p:transition>
+    </mc:Choice>
+    <mc:Fallback xmlns="">
+      <p:transition spd="slow">
+        <p:fade/>
+      </p:transition>
+    </mc:Fallback>
+  </mc:AlternateContent>
 </p:sldLayout>
 </file>
 
@@ -3722,6 +3746,18 @@
   <p:clrMapOvr>
     <a:masterClrMapping/>
   </p:clrMapOvr>
+  <mc:AlternateContent xmlns:mc="http://schemas.openxmlformats.org/markup-compatibility/2006" xmlns:p15="http://schemas.microsoft.com/office/powerpoint/2012/main">
+    <mc:Choice Requires="p15">
+      <p:transition xmlns:p14="http://schemas.microsoft.com/office/powerpoint/2010/main" spd="slow" p14:dur="1250">
+        <p15:prstTrans prst="pageCurlDouble"/>
+      </p:transition>
+    </mc:Choice>
+    <mc:Fallback xmlns="">
+      <p:transition spd="slow">
+        <p:fade/>
+      </p:transition>
+    </mc:Fallback>
+  </mc:AlternateContent>
 </p:sldLayout>
 </file>
 
@@ -3991,6 +4027,18 @@
   <p:clrMapOvr>
     <a:masterClrMapping/>
   </p:clrMapOvr>
+  <mc:AlternateContent xmlns:mc="http://schemas.openxmlformats.org/markup-compatibility/2006" xmlns:p15="http://schemas.microsoft.com/office/powerpoint/2012/main">
+    <mc:Choice Requires="p15">
+      <p:transition xmlns:p14="http://schemas.microsoft.com/office/powerpoint/2010/main" spd="slow" p14:dur="1250">
+        <p15:prstTrans prst="pageCurlDouble"/>
+      </p:transition>
+    </mc:Choice>
+    <mc:Fallback xmlns="">
+      <p:transition spd="slow">
+        <p:fade/>
+      </p:transition>
+    </mc:Fallback>
+  </mc:AlternateContent>
 </p:sldLayout>
 </file>
 
@@ -4455,6 +4503,18 @@
   <p:clrMapOvr>
     <a:masterClrMapping/>
   </p:clrMapOvr>
+  <mc:AlternateContent xmlns:mc="http://schemas.openxmlformats.org/markup-compatibility/2006" xmlns:p15="http://schemas.microsoft.com/office/powerpoint/2012/main">
+    <mc:Choice Requires="p15">
+      <p:transition xmlns:p14="http://schemas.microsoft.com/office/powerpoint/2010/main" spd="slow" p14:dur="1250">
+        <p15:prstTrans prst="pageCurlDouble"/>
+      </p:transition>
+    </mc:Choice>
+    <mc:Fallback xmlns="">
+      <p:transition spd="slow">
+        <p:fade/>
+      </p:transition>
+    </mc:Fallback>
+  </mc:AlternateContent>
 </p:sldLayout>
 </file>
 
@@ -4956,6 +5016,18 @@
   <p:clrMapOvr>
     <a:masterClrMapping/>
   </p:clrMapOvr>
+  <mc:AlternateContent xmlns:mc="http://schemas.openxmlformats.org/markup-compatibility/2006" xmlns:p15="http://schemas.microsoft.com/office/powerpoint/2012/main">
+    <mc:Choice Requires="p15">
+      <p:transition xmlns:p14="http://schemas.microsoft.com/office/powerpoint/2010/main" spd="slow" p14:dur="1250">
+        <p15:prstTrans prst="pageCurlDouble"/>
+      </p:transition>
+    </mc:Choice>
+    <mc:Fallback xmlns="">
+      <p:transition spd="slow">
+        <p:fade/>
+      </p:transition>
+    </mc:Fallback>
+  </mc:AlternateContent>
 </p:sldLayout>
 </file>
 
@@ -6471,6 +6543,18 @@
   <p:clrMapOvr>
     <a:masterClrMapping/>
   </p:clrMapOvr>
+  <mc:AlternateContent xmlns:mc="http://schemas.openxmlformats.org/markup-compatibility/2006" xmlns:p15="http://schemas.microsoft.com/office/powerpoint/2012/main">
+    <mc:Choice Requires="p15">
+      <p:transition xmlns:p14="http://schemas.microsoft.com/office/powerpoint/2010/main" spd="slow" p14:dur="1250">
+        <p15:prstTrans prst="pageCurlDouble"/>
+      </p:transition>
+    </mc:Choice>
+    <mc:Fallback xmlns="">
+      <p:transition spd="slow">
+        <p:fade/>
+      </p:transition>
+    </mc:Fallback>
+  </mc:AlternateContent>
 </p:sldLayout>
 </file>
 
@@ -7198,6 +7282,18 @@
   <p:clrMapOvr>
     <a:masterClrMapping/>
   </p:clrMapOvr>
+  <mc:AlternateContent xmlns:mc="http://schemas.openxmlformats.org/markup-compatibility/2006" xmlns:p15="http://schemas.microsoft.com/office/powerpoint/2012/main">
+    <mc:Choice Requires="p15">
+      <p:transition xmlns:p14="http://schemas.microsoft.com/office/powerpoint/2010/main" spd="slow" p14:dur="1250">
+        <p15:prstTrans prst="pageCurlDouble"/>
+      </p:transition>
+    </mc:Choice>
+    <mc:Fallback xmlns="">
+      <p:transition spd="slow">
+        <p:fade/>
+      </p:transition>
+    </mc:Fallback>
+  </mc:AlternateContent>
 </p:sldLayout>
 </file>
 
@@ -8528,6 +8624,18 @@
   <p:clrMapOvr>
     <a:masterClrMapping/>
   </p:clrMapOvr>
+  <mc:AlternateContent xmlns:mc="http://schemas.openxmlformats.org/markup-compatibility/2006" xmlns:p15="http://schemas.microsoft.com/office/powerpoint/2012/main">
+    <mc:Choice Requires="p15">
+      <p:transition xmlns:p14="http://schemas.microsoft.com/office/powerpoint/2010/main" spd="slow" p14:dur="1250">
+        <p15:prstTrans prst="pageCurlDouble"/>
+      </p:transition>
+    </mc:Choice>
+    <mc:Fallback xmlns="">
+      <p:transition spd="slow">
+        <p:fade/>
+      </p:transition>
+    </mc:Fallback>
+  </mc:AlternateContent>
 </p:sldLayout>
 </file>
 
@@ -9803,6 +9911,18 @@
   <p:clrMapOvr>
     <a:masterClrMapping/>
   </p:clrMapOvr>
+  <mc:AlternateContent xmlns:mc="http://schemas.openxmlformats.org/markup-compatibility/2006" xmlns:p15="http://schemas.microsoft.com/office/powerpoint/2012/main">
+    <mc:Choice Requires="p15">
+      <p:transition xmlns:p14="http://schemas.microsoft.com/office/powerpoint/2010/main" spd="slow" p14:dur="1250">
+        <p15:prstTrans prst="pageCurlDouble"/>
+      </p:transition>
+    </mc:Choice>
+    <mc:Fallback xmlns="">
+      <p:transition spd="slow">
+        <p:fade/>
+      </p:transition>
+    </mc:Fallback>
+  </mc:AlternateContent>
 </p:sldLayout>
 </file>
 
@@ -10478,6 +10598,18 @@
   <p:clrMapOvr>
     <a:masterClrMapping/>
   </p:clrMapOvr>
+  <mc:AlternateContent xmlns:mc="http://schemas.openxmlformats.org/markup-compatibility/2006" xmlns:p15="http://schemas.microsoft.com/office/powerpoint/2012/main">
+    <mc:Choice Requires="p15">
+      <p:transition xmlns:p14="http://schemas.microsoft.com/office/powerpoint/2010/main" spd="slow" p14:dur="1250">
+        <p15:prstTrans prst="pageCurlDouble"/>
+      </p:transition>
+    </mc:Choice>
+    <mc:Fallback xmlns="">
+      <p:transition spd="slow">
+        <p:fade/>
+      </p:transition>
+    </mc:Fallback>
+  </mc:AlternateContent>
 </p:sldLayout>
 </file>
 
@@ -10962,6 +11094,18 @@
   <p:clrMapOvr>
     <a:masterClrMapping/>
   </p:clrMapOvr>
+  <mc:AlternateContent xmlns:mc="http://schemas.openxmlformats.org/markup-compatibility/2006" xmlns:p15="http://schemas.microsoft.com/office/powerpoint/2012/main">
+    <mc:Choice Requires="p15">
+      <p:transition xmlns:p14="http://schemas.microsoft.com/office/powerpoint/2010/main" spd="slow" p14:dur="1250">
+        <p15:prstTrans prst="pageCurlDouble"/>
+      </p:transition>
+    </mc:Choice>
+    <mc:Fallback xmlns="">
+      <p:transition spd="slow">
+        <p:fade/>
+      </p:transition>
+    </mc:Fallback>
+  </mc:AlternateContent>
 </p:sldLayout>
 </file>
 
@@ -11335,6 +11479,18 @@
   <p:clrMapOvr>
     <a:masterClrMapping/>
   </p:clrMapOvr>
+  <mc:AlternateContent xmlns:mc="http://schemas.openxmlformats.org/markup-compatibility/2006" xmlns:p15="http://schemas.microsoft.com/office/powerpoint/2012/main">
+    <mc:Choice Requires="p15">
+      <p:transition xmlns:p14="http://schemas.microsoft.com/office/powerpoint/2010/main" spd="slow" p14:dur="1250">
+        <p15:prstTrans prst="pageCurlDouble"/>
+      </p:transition>
+    </mc:Choice>
+    <mc:Fallback xmlns="">
+      <p:transition spd="slow">
+        <p:fade/>
+      </p:transition>
+    </mc:Fallback>
+  </mc:AlternateContent>
 </p:sldLayout>
 </file>
 
@@ -11581,6 +11737,18 @@
     <p:sldLayoutId id="2147483650" r:id="rId12"/>
     <p:sldLayoutId id="2147483669" r:id="rId13"/>
   </p:sldLayoutIdLst>
+  <mc:AlternateContent xmlns:mc="http://schemas.openxmlformats.org/markup-compatibility/2006" xmlns:p15="http://schemas.microsoft.com/office/powerpoint/2012/main">
+    <mc:Choice Requires="p15">
+      <p:transition xmlns:p14="http://schemas.microsoft.com/office/powerpoint/2010/main" spd="slow" p14:dur="1250">
+        <p15:prstTrans prst="pageCurlDouble"/>
+      </p:transition>
+    </mc:Choice>
+    <mc:Fallback xmlns="">
+      <p:transition spd="slow">
+        <p:fade/>
+      </p:transition>
+    </mc:Fallback>
+  </mc:AlternateContent>
   <p:hf hdr="0" ftr="0" dt="0"/>
   <p:txStyles>
     <p:titleStyle>
@@ -12172,8 +12340,8 @@
         </p:nvSpPr>
         <p:spPr>
           <a:xfrm>
-            <a:off x="7938052" y="5903191"/>
-            <a:ext cx="4538203" cy="646331"/>
+            <a:off x="7500730" y="5405745"/>
+            <a:ext cx="4538203" cy="1754326"/>
           </a:xfrm>
           <a:prstGeom prst="rect">
             <a:avLst/>
@@ -12186,6 +12354,7 @@
           </a:bodyPr>
           <a:lstStyle/>
           <a:p>
+            <a:pPr algn="r"/>
             <a:r>
               <a:rPr lang="en-US" dirty="0">
                 <a:solidFill>
@@ -12196,14 +12365,72 @@
             </a:r>
           </a:p>
           <a:p>
+            <a:pPr algn="r"/>
             <a:r>
               <a:rPr lang="en-US" dirty="0">
                 <a:solidFill>
                   <a:schemeClr val="bg1"/>
                 </a:solidFill>
+                <a:hlinkClick r:id="rId3">
+                  <a:extLst>
+                    <a:ext uri="{A12FA001-AC4F-418D-AE19-62706E023703}">
+                      <ahyp:hlinkClr xmlns:ahyp="http://schemas.microsoft.com/office/drawing/2018/hyperlinkcolor" val="tx"/>
+                    </a:ext>
+                  </a:extLst>
+                </a:hlinkClick>
               </a:rPr>
               <a:t>athibeaux@smu.edu</a:t>
             </a:r>
+            <a:endParaRPr lang="en-US" dirty="0">
+              <a:solidFill>
+                <a:schemeClr val="bg1"/>
+              </a:solidFill>
+            </a:endParaRPr>
+          </a:p>
+          <a:p>
+            <a:pPr algn="r"/>
+            <a:r>
+              <a:rPr lang="en-US" dirty="0">
+                <a:solidFill>
+                  <a:schemeClr val="bg1"/>
+                </a:solidFill>
+              </a:rPr>
+              <a:t>A recording of this presentation can be found at </a:t>
+            </a:r>
+            <a:r>
+              <a:rPr lang="en-US" dirty="0">
+                <a:solidFill>
+                  <a:schemeClr val="bg1"/>
+                </a:solidFill>
+                <a:hlinkClick r:id="rId4">
+                  <a:extLst>
+                    <a:ext uri="{A12FA001-AC4F-418D-AE19-62706E023703}">
+                      <ahyp:hlinkClr xmlns:ahyp="http://schemas.microsoft.com/office/drawing/2018/hyperlinkcolor" val="tx"/>
+                    </a:ext>
+                  </a:extLst>
+                </a:hlinkClick>
+              </a:rPr>
+              <a:t>https://youtu.be/h0gjqM3-jDo</a:t>
+            </a:r>
+            <a:endParaRPr lang="en-US" dirty="0">
+              <a:solidFill>
+                <a:schemeClr val="bg1"/>
+              </a:solidFill>
+            </a:endParaRPr>
+          </a:p>
+          <a:p>
+            <a:endParaRPr lang="en-US" dirty="0">
+              <a:solidFill>
+                <a:schemeClr val="bg1"/>
+              </a:solidFill>
+            </a:endParaRPr>
+          </a:p>
+          <a:p>
+            <a:endParaRPr lang="en-US" dirty="0">
+              <a:solidFill>
+                <a:schemeClr val="bg1"/>
+              </a:solidFill>
+            </a:endParaRPr>
           </a:p>
         </p:txBody>
       </p:sp>
@@ -12217,6 +12444,18 @@
   <p:clrMapOvr>
     <a:masterClrMapping/>
   </p:clrMapOvr>
+  <mc:AlternateContent xmlns:mc="http://schemas.openxmlformats.org/markup-compatibility/2006" xmlns:p15="http://schemas.microsoft.com/office/powerpoint/2012/main">
+    <mc:Choice Requires="p15">
+      <p:transition xmlns:p14="http://schemas.microsoft.com/office/powerpoint/2010/main" spd="slow" p14:dur="1250">
+        <p15:prstTrans prst="pageCurlDouble"/>
+      </p:transition>
+    </mc:Choice>
+    <mc:Fallback xmlns="">
+      <p:transition spd="slow">
+        <p:fade/>
+      </p:transition>
+    </mc:Fallback>
+  </mc:AlternateContent>
 </p:sld>
 </file>
 
@@ -12494,7 +12733,7 @@
         </p:blipFill>
         <p:spPr>
           <a:xfrm>
-            <a:off x="481000" y="2472354"/>
+            <a:off x="557754" y="2514601"/>
             <a:ext cx="5243940" cy="3346413"/>
           </a:xfrm>
           <a:prstGeom prst="rect">
@@ -12532,6 +12771,110 @@
           </a:prstGeom>
         </p:spPr>
       </p:pic>
+      <p:sp>
+        <p:nvSpPr>
+          <p:cNvPr id="12" name="Oval 11">
+            <a:extLst>
+              <a:ext uri="{FF2B5EF4-FFF2-40B4-BE49-F238E27FC236}">
+                <a16:creationId xmlns:a16="http://schemas.microsoft.com/office/drawing/2014/main" id="{0C060E46-F46F-424B-8FF1-2229E64E75C5}"/>
+              </a:ext>
+            </a:extLst>
+          </p:cNvPr>
+          <p:cNvSpPr/>
+          <p:nvPr/>
+        </p:nvSpPr>
+        <p:spPr>
+          <a:xfrm>
+            <a:off x="829913" y="2987604"/>
+            <a:ext cx="1205948" cy="2829526"/>
+          </a:xfrm>
+          <a:prstGeom prst="ellipse">
+            <a:avLst/>
+          </a:prstGeom>
+          <a:noFill/>
+          <a:ln>
+            <a:solidFill>
+              <a:srgbClr val="002060"/>
+            </a:solidFill>
+          </a:ln>
+        </p:spPr>
+        <p:style>
+          <a:lnRef idx="2">
+            <a:schemeClr val="accent1">
+              <a:shade val="50000"/>
+            </a:schemeClr>
+          </a:lnRef>
+          <a:fillRef idx="1">
+            <a:schemeClr val="accent1"/>
+          </a:fillRef>
+          <a:effectRef idx="0">
+            <a:schemeClr val="accent1"/>
+          </a:effectRef>
+          <a:fontRef idx="minor">
+            <a:schemeClr val="lt1"/>
+          </a:fontRef>
+        </p:style>
+        <p:txBody>
+          <a:bodyPr rtlCol="0" anchor="ctr"/>
+          <a:lstStyle/>
+          <a:p>
+            <a:pPr algn="ctr"/>
+            <a:endParaRPr lang="en-US"/>
+          </a:p>
+        </p:txBody>
+      </p:sp>
+      <p:sp>
+        <p:nvSpPr>
+          <p:cNvPr id="13" name="Oval 12">
+            <a:extLst>
+              <a:ext uri="{FF2B5EF4-FFF2-40B4-BE49-F238E27FC236}">
+                <a16:creationId xmlns:a16="http://schemas.microsoft.com/office/drawing/2014/main" id="{F6F5BF77-44B9-4A71-8422-96A907341186}"/>
+              </a:ext>
+            </a:extLst>
+          </p:cNvPr>
+          <p:cNvSpPr/>
+          <p:nvPr/>
+        </p:nvSpPr>
+        <p:spPr>
+          <a:xfrm>
+            <a:off x="3838991" y="2858534"/>
+            <a:ext cx="1293538" cy="3087665"/>
+          </a:xfrm>
+          <a:prstGeom prst="ellipse">
+            <a:avLst/>
+          </a:prstGeom>
+          <a:noFill/>
+          <a:ln>
+            <a:solidFill>
+              <a:srgbClr val="002060"/>
+            </a:solidFill>
+          </a:ln>
+        </p:spPr>
+        <p:style>
+          <a:lnRef idx="2">
+            <a:schemeClr val="accent1">
+              <a:shade val="50000"/>
+            </a:schemeClr>
+          </a:lnRef>
+          <a:fillRef idx="1">
+            <a:schemeClr val="accent1"/>
+          </a:fillRef>
+          <a:effectRef idx="0">
+            <a:schemeClr val="accent1"/>
+          </a:effectRef>
+          <a:fontRef idx="minor">
+            <a:schemeClr val="lt1"/>
+          </a:fontRef>
+        </p:style>
+        <p:txBody>
+          <a:bodyPr rtlCol="0" anchor="ctr"/>
+          <a:lstStyle/>
+          <a:p>
+            <a:pPr algn="ctr"/>
+            <a:endParaRPr lang="en-US"/>
+          </a:p>
+        </p:txBody>
+      </p:sp>
     </p:spTree>
     <p:extLst>
       <p:ext uri="{BB962C8B-B14F-4D97-AF65-F5344CB8AC3E}">
@@ -12542,6 +12885,18 @@
   <p:clrMapOvr>
     <a:masterClrMapping/>
   </p:clrMapOvr>
+  <mc:AlternateContent xmlns:mc="http://schemas.openxmlformats.org/markup-compatibility/2006" xmlns:p15="http://schemas.microsoft.com/office/powerpoint/2012/main">
+    <mc:Choice Requires="p15">
+      <p:transition xmlns:p14="http://schemas.microsoft.com/office/powerpoint/2010/main" spd="slow" p14:dur="1250">
+        <p15:prstTrans prst="pageCurlDouble"/>
+      </p:transition>
+    </mc:Choice>
+    <mc:Fallback xmlns="">
+      <p:transition spd="slow">
+        <p:fade/>
+      </p:transition>
+    </mc:Fallback>
+  </mc:AlternateContent>
   <p:timing>
     <p:tnLst>
       <p:par>
@@ -12649,6 +13004,112 @@
                       </p:childTnLst>
                     </p:cTn>
                   </p:par>
+                  <p:par>
+                    <p:cTn id="10" fill="hold">
+                      <p:stCondLst>
+                        <p:cond delay="indefinite"/>
+                      </p:stCondLst>
+                      <p:childTnLst>
+                        <p:par>
+                          <p:cTn id="11" fill="hold">
+                            <p:stCondLst>
+                              <p:cond delay="0"/>
+                            </p:stCondLst>
+                            <p:childTnLst>
+                              <p:par>
+                                <p:cTn id="12" presetID="22" presetClass="entr" presetSubtype="4" fill="hold" grpId="0" nodeType="clickEffect">
+                                  <p:stCondLst>
+                                    <p:cond delay="0"/>
+                                  </p:stCondLst>
+                                  <p:childTnLst>
+                                    <p:set>
+                                      <p:cBhvr>
+                                        <p:cTn id="13" dur="1" fill="hold">
+                                          <p:stCondLst>
+                                            <p:cond delay="0"/>
+                                          </p:stCondLst>
+                                        </p:cTn>
+                                        <p:tgtEl>
+                                          <p:spTgt spid="12"/>
+                                        </p:tgtEl>
+                                        <p:attrNameLst>
+                                          <p:attrName>style.visibility</p:attrName>
+                                        </p:attrNameLst>
+                                      </p:cBhvr>
+                                      <p:to>
+                                        <p:strVal val="visible"/>
+                                      </p:to>
+                                    </p:set>
+                                    <p:animEffect transition="in" filter="wipe(down)">
+                                      <p:cBhvr>
+                                        <p:cTn id="14" dur="500"/>
+                                        <p:tgtEl>
+                                          <p:spTgt spid="12"/>
+                                        </p:tgtEl>
+                                      </p:cBhvr>
+                                    </p:animEffect>
+                                  </p:childTnLst>
+                                </p:cTn>
+                              </p:par>
+                            </p:childTnLst>
+                          </p:cTn>
+                        </p:par>
+                      </p:childTnLst>
+                    </p:cTn>
+                  </p:par>
+                  <p:par>
+                    <p:cTn id="15" fill="hold">
+                      <p:stCondLst>
+                        <p:cond delay="indefinite"/>
+                      </p:stCondLst>
+                      <p:childTnLst>
+                        <p:par>
+                          <p:cTn id="16" fill="hold">
+                            <p:stCondLst>
+                              <p:cond delay="0"/>
+                            </p:stCondLst>
+                            <p:childTnLst>
+                              <p:par>
+                                <p:cTn id="17" presetID="22" presetClass="entr" presetSubtype="4" fill="hold" grpId="0" nodeType="clickEffect">
+                                  <p:stCondLst>
+                                    <p:cond delay="0"/>
+                                  </p:stCondLst>
+                                  <p:childTnLst>
+                                    <p:set>
+                                      <p:cBhvr>
+                                        <p:cTn id="18" dur="1" fill="hold">
+                                          <p:stCondLst>
+                                            <p:cond delay="0"/>
+                                          </p:stCondLst>
+                                        </p:cTn>
+                                        <p:tgtEl>
+                                          <p:spTgt spid="13"/>
+                                        </p:tgtEl>
+                                        <p:attrNameLst>
+                                          <p:attrName>style.visibility</p:attrName>
+                                        </p:attrNameLst>
+                                      </p:cBhvr>
+                                      <p:to>
+                                        <p:strVal val="visible"/>
+                                      </p:to>
+                                    </p:set>
+                                    <p:animEffect transition="in" filter="wipe(down)">
+                                      <p:cBhvr>
+                                        <p:cTn id="19" dur="500"/>
+                                        <p:tgtEl>
+                                          <p:spTgt spid="13"/>
+                                        </p:tgtEl>
+                                      </p:cBhvr>
+                                    </p:animEffect>
+                                  </p:childTnLst>
+                                </p:cTn>
+                              </p:par>
+                            </p:childTnLst>
+                          </p:cTn>
+                        </p:par>
+                      </p:childTnLst>
+                    </p:cTn>
+                  </p:par>
                 </p:childTnLst>
               </p:cTn>
               <p:prevCondLst>
@@ -12672,6 +13133,8 @@
     </p:tnLst>
     <p:bldLst>
       <p:bldP spid="24" grpId="0"/>
+      <p:bldP spid="12" grpId="0" animBg="1"/>
+      <p:bldP spid="13" grpId="0" animBg="1"/>
     </p:bldLst>
   </p:timing>
 </p:sld>
@@ -12959,6 +13422,45 @@
           </a:prstGeom>
         </p:spPr>
       </p:pic>
+      <p:cxnSp>
+        <p:nvCxnSpPr>
+          <p:cNvPr id="6" name="Straight Arrow Connector 5">
+            <a:extLst>
+              <a:ext uri="{FF2B5EF4-FFF2-40B4-BE49-F238E27FC236}">
+                <a16:creationId xmlns:a16="http://schemas.microsoft.com/office/drawing/2014/main" id="{6F7EDAB6-5462-442A-8D78-1ED0B2A34A69}"/>
+              </a:ext>
+            </a:extLst>
+          </p:cNvPr>
+          <p:cNvCxnSpPr/>
+          <p:nvPr/>
+        </p:nvCxnSpPr>
+        <p:spPr>
+          <a:xfrm flipV="1">
+            <a:off x="4359965" y="4426226"/>
+            <a:ext cx="166159" cy="278296"/>
+          </a:xfrm>
+          <a:prstGeom prst="straightConnector1">
+            <a:avLst/>
+          </a:prstGeom>
+          <a:ln>
+            <a:tailEnd type="triangle"/>
+          </a:ln>
+        </p:spPr>
+        <p:style>
+          <a:lnRef idx="1">
+            <a:schemeClr val="dk1"/>
+          </a:lnRef>
+          <a:fillRef idx="0">
+            <a:schemeClr val="dk1"/>
+          </a:fillRef>
+          <a:effectRef idx="0">
+            <a:schemeClr val="dk1"/>
+          </a:effectRef>
+          <a:fontRef idx="minor">
+            <a:schemeClr val="tx1"/>
+          </a:fontRef>
+        </p:style>
+      </p:cxnSp>
     </p:spTree>
     <p:extLst>
       <p:ext uri="{BB962C8B-B14F-4D97-AF65-F5344CB8AC3E}">
@@ -12969,6 +13471,18 @@
   <p:clrMapOvr>
     <a:masterClrMapping/>
   </p:clrMapOvr>
+  <mc:AlternateContent xmlns:mc="http://schemas.openxmlformats.org/markup-compatibility/2006" xmlns:p15="http://schemas.microsoft.com/office/powerpoint/2012/main">
+    <mc:Choice Requires="p15">
+      <p:transition xmlns:p14="http://schemas.microsoft.com/office/powerpoint/2010/main" spd="slow" p14:dur="1250">
+        <p15:prstTrans prst="pageCurlDouble"/>
+      </p:transition>
+    </mc:Choice>
+    <mc:Fallback xmlns="">
+      <p:transition spd="slow">
+        <p:fade/>
+      </p:transition>
+    </mc:Fallback>
+  </mc:AlternateContent>
   <p:timing>
     <p:tnLst>
       <p:par>
@@ -13175,6 +13689,59 @@
                       </p:childTnLst>
                     </p:cTn>
                   </p:par>
+                  <p:par>
+                    <p:cTn id="17" fill="hold">
+                      <p:stCondLst>
+                        <p:cond delay="indefinite"/>
+                      </p:stCondLst>
+                      <p:childTnLst>
+                        <p:par>
+                          <p:cTn id="18" fill="hold">
+                            <p:stCondLst>
+                              <p:cond delay="0"/>
+                            </p:stCondLst>
+                            <p:childTnLst>
+                              <p:par>
+                                <p:cTn id="19" presetID="16" presetClass="entr" presetSubtype="21" fill="hold" nodeType="clickEffect">
+                                  <p:stCondLst>
+                                    <p:cond delay="0"/>
+                                  </p:stCondLst>
+                                  <p:childTnLst>
+                                    <p:set>
+                                      <p:cBhvr>
+                                        <p:cTn id="20" dur="1" fill="hold">
+                                          <p:stCondLst>
+                                            <p:cond delay="0"/>
+                                          </p:stCondLst>
+                                        </p:cTn>
+                                        <p:tgtEl>
+                                          <p:spTgt spid="6"/>
+                                        </p:tgtEl>
+                                        <p:attrNameLst>
+                                          <p:attrName>style.visibility</p:attrName>
+                                        </p:attrNameLst>
+                                      </p:cBhvr>
+                                      <p:to>
+                                        <p:strVal val="visible"/>
+                                      </p:to>
+                                    </p:set>
+                                    <p:animEffect transition="in" filter="barn(inVertical)">
+                                      <p:cBhvr>
+                                        <p:cTn id="21" dur="500"/>
+                                        <p:tgtEl>
+                                          <p:spTgt spid="6"/>
+                                        </p:tgtEl>
+                                      </p:cBhvr>
+                                    </p:animEffect>
+                                  </p:childTnLst>
+                                </p:cTn>
+                              </p:par>
+                            </p:childTnLst>
+                          </p:cTn>
+                        </p:par>
+                      </p:childTnLst>
+                    </p:cTn>
+                  </p:par>
                 </p:childTnLst>
               </p:cTn>
               <p:prevCondLst>
@@ -13204,7 +13771,7 @@
 </file>
 
 <file path=ppt/slides/slide12.xml><?xml version="1.0" encoding="utf-8"?>
-<p:sld xmlns:a="http://schemas.openxmlformats.org/drawingml/2006/main" xmlns:r="http://schemas.openxmlformats.org/officeDocument/2006/relationships" xmlns:p="http://schemas.openxmlformats.org/presentationml/2006/main">
+<p:sld xmlns:a="http://schemas.openxmlformats.org/drawingml/2006/main" xmlns:r="http://schemas.openxmlformats.org/officeDocument/2006/relationships" xmlns:p="http://schemas.openxmlformats.org/presentationml/2006/main" show="0">
   <p:cSld>
     <p:spTree>
       <p:nvGrpSpPr>
@@ -13515,6 +14082,58 @@
           </a:prstGeom>
         </p:spPr>
       </p:pic>
+      <p:sp>
+        <p:nvSpPr>
+          <p:cNvPr id="12" name="Oval 11">
+            <a:extLst>
+              <a:ext uri="{FF2B5EF4-FFF2-40B4-BE49-F238E27FC236}">
+                <a16:creationId xmlns:a16="http://schemas.microsoft.com/office/drawing/2014/main" id="{193582E4-4DA0-481E-BB8B-938A29FEF35B}"/>
+              </a:ext>
+            </a:extLst>
+          </p:cNvPr>
+          <p:cNvSpPr/>
+          <p:nvPr/>
+        </p:nvSpPr>
+        <p:spPr>
+          <a:xfrm>
+            <a:off x="1417983" y="5287841"/>
+            <a:ext cx="821634" cy="467424"/>
+          </a:xfrm>
+          <a:prstGeom prst="ellipse">
+            <a:avLst/>
+          </a:prstGeom>
+          <a:noFill/>
+          <a:ln>
+            <a:solidFill>
+              <a:srgbClr val="002060"/>
+            </a:solidFill>
+          </a:ln>
+        </p:spPr>
+        <p:style>
+          <a:lnRef idx="2">
+            <a:schemeClr val="accent1">
+              <a:shade val="50000"/>
+            </a:schemeClr>
+          </a:lnRef>
+          <a:fillRef idx="1">
+            <a:schemeClr val="accent1"/>
+          </a:fillRef>
+          <a:effectRef idx="0">
+            <a:schemeClr val="accent1"/>
+          </a:effectRef>
+          <a:fontRef idx="minor">
+            <a:schemeClr val="lt1"/>
+          </a:fontRef>
+        </p:style>
+        <p:txBody>
+          <a:bodyPr rtlCol="0" anchor="ctr"/>
+          <a:lstStyle/>
+          <a:p>
+            <a:pPr algn="ctr"/>
+            <a:endParaRPr lang="en-US"/>
+          </a:p>
+        </p:txBody>
+      </p:sp>
     </p:spTree>
     <p:extLst>
       <p:ext uri="{BB962C8B-B14F-4D97-AF65-F5344CB8AC3E}">
@@ -13525,6 +14144,18 @@
   <p:clrMapOvr>
     <a:masterClrMapping/>
   </p:clrMapOvr>
+  <mc:AlternateContent xmlns:mc="http://schemas.openxmlformats.org/markup-compatibility/2006" xmlns:p15="http://schemas.microsoft.com/office/powerpoint/2012/main">
+    <mc:Choice Requires="p15">
+      <p:transition xmlns:p14="http://schemas.microsoft.com/office/powerpoint/2010/main" spd="slow" p14:dur="1250">
+        <p15:prstTrans prst="pageCurlDouble"/>
+      </p:transition>
+    </mc:Choice>
+    <mc:Fallback xmlns="">
+      <p:transition spd="slow">
+        <p:fade/>
+      </p:transition>
+    </mc:Fallback>
+  </mc:AlternateContent>
   <p:timing>
     <p:tnLst>
       <p:par>
@@ -13632,6 +14263,59 @@
                       </p:childTnLst>
                     </p:cTn>
                   </p:par>
+                  <p:par>
+                    <p:cTn id="10" fill="hold">
+                      <p:stCondLst>
+                        <p:cond delay="indefinite"/>
+                      </p:stCondLst>
+                      <p:childTnLst>
+                        <p:par>
+                          <p:cTn id="11" fill="hold">
+                            <p:stCondLst>
+                              <p:cond delay="0"/>
+                            </p:stCondLst>
+                            <p:childTnLst>
+                              <p:par>
+                                <p:cTn id="12" presetID="16" presetClass="entr" presetSubtype="21" fill="hold" grpId="0" nodeType="clickEffect">
+                                  <p:stCondLst>
+                                    <p:cond delay="0"/>
+                                  </p:stCondLst>
+                                  <p:childTnLst>
+                                    <p:set>
+                                      <p:cBhvr>
+                                        <p:cTn id="13" dur="1" fill="hold">
+                                          <p:stCondLst>
+                                            <p:cond delay="0"/>
+                                          </p:stCondLst>
+                                        </p:cTn>
+                                        <p:tgtEl>
+                                          <p:spTgt spid="12"/>
+                                        </p:tgtEl>
+                                        <p:attrNameLst>
+                                          <p:attrName>style.visibility</p:attrName>
+                                        </p:attrNameLst>
+                                      </p:cBhvr>
+                                      <p:to>
+                                        <p:strVal val="visible"/>
+                                      </p:to>
+                                    </p:set>
+                                    <p:animEffect transition="in" filter="barn(inVertical)">
+                                      <p:cBhvr>
+                                        <p:cTn id="14" dur="500"/>
+                                        <p:tgtEl>
+                                          <p:spTgt spid="12"/>
+                                        </p:tgtEl>
+                                      </p:cBhvr>
+                                    </p:animEffect>
+                                  </p:childTnLst>
+                                </p:cTn>
+                              </p:par>
+                            </p:childTnLst>
+                          </p:cTn>
+                        </p:par>
+                      </p:childTnLst>
+                    </p:cTn>
+                  </p:par>
                 </p:childTnLst>
               </p:cTn>
               <p:prevCondLst>
@@ -13655,6 +14339,7 @@
     </p:tnLst>
     <p:bldLst>
       <p:bldP spid="24" grpId="0"/>
+      <p:bldP spid="12" grpId="0" animBg="1"/>
     </p:bldLst>
   </p:timing>
 </p:sld>
@@ -14078,6 +14763,18 @@
   <p:clrMapOvr>
     <a:masterClrMapping/>
   </p:clrMapOvr>
+  <mc:AlternateContent xmlns:mc="http://schemas.openxmlformats.org/markup-compatibility/2006" xmlns:p15="http://schemas.microsoft.com/office/powerpoint/2012/main">
+    <mc:Choice Requires="p15">
+      <p:transition xmlns:p14="http://schemas.microsoft.com/office/powerpoint/2010/main" spd="slow" p14:dur="1250">
+        <p15:prstTrans prst="pageCurlDouble"/>
+      </p:transition>
+    </mc:Choice>
+    <mc:Fallback xmlns="">
+      <p:transition spd="slow">
+        <p:fade/>
+      </p:transition>
+    </mc:Fallback>
+  </mc:AlternateContent>
   <p:timing>
     <p:tnLst>
       <p:par>
@@ -18106,6 +18803,18 @@
   <p:clrMapOvr>
     <a:masterClrMapping/>
   </p:clrMapOvr>
+  <mc:AlternateContent xmlns:mc="http://schemas.openxmlformats.org/markup-compatibility/2006" xmlns:p15="http://schemas.microsoft.com/office/powerpoint/2012/main">
+    <mc:Choice Requires="p15">
+      <p:transition xmlns:p14="http://schemas.microsoft.com/office/powerpoint/2010/main" spd="slow" p14:dur="1250">
+        <p15:prstTrans prst="pageCurlDouble"/>
+      </p:transition>
+    </mc:Choice>
+    <mc:Fallback xmlns="">
+      <p:transition spd="slow">
+        <p:fade/>
+      </p:transition>
+    </mc:Fallback>
+  </mc:AlternateContent>
   <p:timing>
     <p:tnLst>
       <p:par>
@@ -18444,6 +19153,149 @@
           </a:prstGeom>
         </p:spPr>
       </p:pic>
+      <p:sp>
+        <p:nvSpPr>
+          <p:cNvPr id="6" name="Oval 5">
+            <a:extLst>
+              <a:ext uri="{FF2B5EF4-FFF2-40B4-BE49-F238E27FC236}">
+                <a16:creationId xmlns:a16="http://schemas.microsoft.com/office/drawing/2014/main" id="{C00B4EF1-B3C6-493C-BD0C-BED8D92B446B}"/>
+              </a:ext>
+            </a:extLst>
+          </p:cNvPr>
+          <p:cNvSpPr/>
+          <p:nvPr/>
+        </p:nvSpPr>
+        <p:spPr>
+          <a:xfrm>
+            <a:off x="4704364" y="1977261"/>
+            <a:ext cx="4678018" cy="3624667"/>
+          </a:xfrm>
+          <a:prstGeom prst="ellipse">
+            <a:avLst/>
+          </a:prstGeom>
+          <a:noFill/>
+          <a:ln>
+            <a:solidFill>
+              <a:srgbClr val="002060"/>
+            </a:solidFill>
+          </a:ln>
+        </p:spPr>
+        <p:style>
+          <a:lnRef idx="2">
+            <a:schemeClr val="accent1">
+              <a:shade val="50000"/>
+            </a:schemeClr>
+          </a:lnRef>
+          <a:fillRef idx="1">
+            <a:schemeClr val="accent1"/>
+          </a:fillRef>
+          <a:effectRef idx="0">
+            <a:schemeClr val="accent1"/>
+          </a:effectRef>
+          <a:fontRef idx="minor">
+            <a:schemeClr val="lt1"/>
+          </a:fontRef>
+        </p:style>
+        <p:txBody>
+          <a:bodyPr rtlCol="0" anchor="ctr"/>
+          <a:lstStyle/>
+          <a:p>
+            <a:pPr algn="ctr"/>
+            <a:endParaRPr lang="en-US"/>
+          </a:p>
+        </p:txBody>
+      </p:sp>
+      <p:sp>
+        <p:nvSpPr>
+          <p:cNvPr id="9" name="Oval 8">
+            <a:extLst>
+              <a:ext uri="{FF2B5EF4-FFF2-40B4-BE49-F238E27FC236}">
+                <a16:creationId xmlns:a16="http://schemas.microsoft.com/office/drawing/2014/main" id="{8FF30777-AB78-426E-B33D-A5767D971571}"/>
+              </a:ext>
+            </a:extLst>
+          </p:cNvPr>
+          <p:cNvSpPr/>
+          <p:nvPr/>
+        </p:nvSpPr>
+        <p:spPr>
+          <a:xfrm>
+            <a:off x="6606178" y="1349682"/>
+            <a:ext cx="4678018" cy="3624667"/>
+          </a:xfrm>
+          <a:prstGeom prst="ellipse">
+            <a:avLst/>
+          </a:prstGeom>
+          <a:noFill/>
+          <a:ln>
+            <a:solidFill>
+              <a:srgbClr val="002060"/>
+            </a:solidFill>
+          </a:ln>
+        </p:spPr>
+        <p:style>
+          <a:lnRef idx="2">
+            <a:schemeClr val="accent1">
+              <a:shade val="50000"/>
+            </a:schemeClr>
+          </a:lnRef>
+          <a:fillRef idx="1">
+            <a:schemeClr val="accent1"/>
+          </a:fillRef>
+          <a:effectRef idx="0">
+            <a:schemeClr val="accent1"/>
+          </a:effectRef>
+          <a:fontRef idx="minor">
+            <a:schemeClr val="lt1"/>
+          </a:fontRef>
+        </p:style>
+        <p:txBody>
+          <a:bodyPr rtlCol="0" anchor="ctr"/>
+          <a:lstStyle/>
+          <a:p>
+            <a:pPr algn="ctr"/>
+            <a:endParaRPr lang="en-US"/>
+          </a:p>
+        </p:txBody>
+      </p:sp>
+      <p:pic>
+        <p:nvPicPr>
+          <p:cNvPr id="8" name="Graphic 7" descr="Connections">
+            <a:extLst>
+              <a:ext uri="{FF2B5EF4-FFF2-40B4-BE49-F238E27FC236}">
+                <a16:creationId xmlns:a16="http://schemas.microsoft.com/office/drawing/2014/main" id="{0FE540BA-434E-4155-8295-A8DDF002AEC3}"/>
+              </a:ext>
+            </a:extLst>
+          </p:cNvPr>
+          <p:cNvPicPr>
+            <a:picLocks noChangeAspect="1"/>
+          </p:cNvPicPr>
+          <p:nvPr/>
+        </p:nvPicPr>
+        <p:blipFill>
+          <a:blip r:embed="rId4">
+            <a:extLst>
+              <a:ext uri="{28A0092B-C50C-407E-A947-70E740481C1C}">
+                <a14:useLocalDpi xmlns:a14="http://schemas.microsoft.com/office/drawing/2010/main" val="0"/>
+              </a:ext>
+              <a:ext uri="{96DAC541-7B7A-43D3-8B79-37D633B846F1}">
+                <asvg:svgBlip xmlns:asvg="http://schemas.microsoft.com/office/drawing/2016/SVG/main" r:embed="rId5"/>
+              </a:ext>
+            </a:extLst>
+          </a:blip>
+          <a:stretch>
+            <a:fillRect/>
+          </a:stretch>
+        </p:blipFill>
+        <p:spPr>
+          <a:xfrm>
+            <a:off x="536733" y="1424651"/>
+            <a:ext cx="2364943" cy="2364943"/>
+          </a:xfrm>
+          <a:prstGeom prst="rect">
+            <a:avLst/>
+          </a:prstGeom>
+        </p:spPr>
+      </p:pic>
     </p:spTree>
     <p:extLst>
       <p:ext uri="{BB962C8B-B14F-4D97-AF65-F5344CB8AC3E}">
@@ -18454,6 +19306,158 @@
   <p:clrMapOvr>
     <a:masterClrMapping/>
   </p:clrMapOvr>
+  <mc:AlternateContent xmlns:mc="http://schemas.openxmlformats.org/markup-compatibility/2006" xmlns:p15="http://schemas.microsoft.com/office/powerpoint/2012/main">
+    <mc:Choice Requires="p15">
+      <p:transition xmlns:p14="http://schemas.microsoft.com/office/powerpoint/2010/main" spd="slow" p14:dur="1250">
+        <p15:prstTrans prst="pageCurlDouble"/>
+      </p:transition>
+    </mc:Choice>
+    <mc:Fallback xmlns="">
+      <p:transition spd="slow">
+        <p:fade/>
+      </p:transition>
+    </mc:Fallback>
+  </mc:AlternateContent>
+  <p:timing>
+    <p:tnLst>
+      <p:par>
+        <p:cTn id="1" dur="indefinite" restart="never" nodeType="tmRoot">
+          <p:childTnLst>
+            <p:seq concurrent="1" nextAc="seek">
+              <p:cTn id="2" dur="indefinite" nodeType="mainSeq">
+                <p:childTnLst>
+                  <p:par>
+                    <p:cTn id="3" fill="hold">
+                      <p:stCondLst>
+                        <p:cond delay="indefinite"/>
+                      </p:stCondLst>
+                      <p:childTnLst>
+                        <p:par>
+                          <p:cTn id="4" fill="hold">
+                            <p:stCondLst>
+                              <p:cond delay="0"/>
+                            </p:stCondLst>
+                            <p:childTnLst>
+                              <p:par>
+                                <p:cTn id="5" presetID="22" presetClass="entr" presetSubtype="4" fill="hold" grpId="0" nodeType="clickEffect">
+                                  <p:stCondLst>
+                                    <p:cond delay="0"/>
+                                  </p:stCondLst>
+                                  <p:childTnLst>
+                                    <p:set>
+                                      <p:cBhvr>
+                                        <p:cTn id="6" dur="1" fill="hold">
+                                          <p:stCondLst>
+                                            <p:cond delay="0"/>
+                                          </p:stCondLst>
+                                        </p:cTn>
+                                        <p:tgtEl>
+                                          <p:spTgt spid="6"/>
+                                        </p:tgtEl>
+                                        <p:attrNameLst>
+                                          <p:attrName>style.visibility</p:attrName>
+                                        </p:attrNameLst>
+                                      </p:cBhvr>
+                                      <p:to>
+                                        <p:strVal val="visible"/>
+                                      </p:to>
+                                    </p:set>
+                                    <p:animEffect transition="in" filter="wipe(down)">
+                                      <p:cBhvr>
+                                        <p:cTn id="7" dur="500"/>
+                                        <p:tgtEl>
+                                          <p:spTgt spid="6"/>
+                                        </p:tgtEl>
+                                      </p:cBhvr>
+                                    </p:animEffect>
+                                  </p:childTnLst>
+                                </p:cTn>
+                              </p:par>
+                            </p:childTnLst>
+                          </p:cTn>
+                        </p:par>
+                      </p:childTnLst>
+                    </p:cTn>
+                  </p:par>
+                  <p:par>
+                    <p:cTn id="8" fill="hold">
+                      <p:stCondLst>
+                        <p:cond delay="indefinite"/>
+                      </p:stCondLst>
+                      <p:childTnLst>
+                        <p:par>
+                          <p:cTn id="9" fill="hold">
+                            <p:stCondLst>
+                              <p:cond delay="0"/>
+                            </p:stCondLst>
+                            <p:childTnLst>
+                              <p:par>
+                                <p:cTn id="10" presetID="22" presetClass="entr" presetSubtype="4" fill="hold" grpId="0" nodeType="clickEffect">
+                                  <p:stCondLst>
+                                    <p:cond delay="0"/>
+                                  </p:stCondLst>
+                                  <p:childTnLst>
+                                    <p:set>
+                                      <p:cBhvr>
+                                        <p:cTn id="11" dur="1" fill="hold">
+                                          <p:stCondLst>
+                                            <p:cond delay="0"/>
+                                          </p:stCondLst>
+                                        </p:cTn>
+                                        <p:tgtEl>
+                                          <p:spTgt spid="9"/>
+                                        </p:tgtEl>
+                                        <p:attrNameLst>
+                                          <p:attrName>style.visibility</p:attrName>
+                                        </p:attrNameLst>
+                                      </p:cBhvr>
+                                      <p:to>
+                                        <p:strVal val="visible"/>
+                                      </p:to>
+                                    </p:set>
+                                    <p:animEffect transition="in" filter="wipe(down)">
+                                      <p:cBhvr>
+                                        <p:cTn id="12" dur="500"/>
+                                        <p:tgtEl>
+                                          <p:spTgt spid="9"/>
+                                        </p:tgtEl>
+                                      </p:cBhvr>
+                                    </p:animEffect>
+                                  </p:childTnLst>
+                                </p:cTn>
+                              </p:par>
+                            </p:childTnLst>
+                          </p:cTn>
+                        </p:par>
+                      </p:childTnLst>
+                    </p:cTn>
+                  </p:par>
+                </p:childTnLst>
+              </p:cTn>
+              <p:prevCondLst>
+                <p:cond evt="onPrev" delay="0">
+                  <p:tgtEl>
+                    <p:sldTgt/>
+                  </p:tgtEl>
+                </p:cond>
+              </p:prevCondLst>
+              <p:nextCondLst>
+                <p:cond evt="onNext" delay="0">
+                  <p:tgtEl>
+                    <p:sldTgt/>
+                  </p:tgtEl>
+                </p:cond>
+              </p:nextCondLst>
+            </p:seq>
+          </p:childTnLst>
+        </p:cTn>
+      </p:par>
+    </p:tnLst>
+    <p:bldLst>
+      <p:bldP spid="6" grpId="0" animBg="1"/>
+      <p:bldP spid="9" grpId="0" animBg="1"/>
+    </p:bldLst>
+  </p:timing>
 </p:sld>
 </file>
 
@@ -18698,10 +19702,10 @@
       </p:sp>
       <p:pic>
         <p:nvPicPr>
-          <p:cNvPr id="11" name="Picture 10">
-            <a:extLst>
-              <a:ext uri="{FF2B5EF4-FFF2-40B4-BE49-F238E27FC236}">
-                <a16:creationId xmlns:a16="http://schemas.microsoft.com/office/drawing/2014/main" id="{959A68F3-D343-48E8-AE9A-540A1A325D25}"/>
+          <p:cNvPr id="6" name="Picture 5">
+            <a:extLst>
+              <a:ext uri="{FF2B5EF4-FFF2-40B4-BE49-F238E27FC236}">
+                <a16:creationId xmlns:a16="http://schemas.microsoft.com/office/drawing/2014/main" id="{5905774B-0CC7-49F1-B1F2-9387838C1E6C}"/>
               </a:ext>
             </a:extLst>
           </p:cNvPr>
@@ -18718,14 +19722,66 @@
         </p:blipFill>
         <p:spPr>
           <a:xfrm>
-            <a:off x="684000" y="1460214"/>
-            <a:ext cx="6619875" cy="4781550"/>
+            <a:off x="684000" y="1911788"/>
+            <a:ext cx="6705600" cy="4343400"/>
           </a:xfrm>
           <a:prstGeom prst="rect">
             <a:avLst/>
           </a:prstGeom>
         </p:spPr>
       </p:pic>
+      <p:sp>
+        <p:nvSpPr>
+          <p:cNvPr id="2" name="Oval 1">
+            <a:extLst>
+              <a:ext uri="{FF2B5EF4-FFF2-40B4-BE49-F238E27FC236}">
+                <a16:creationId xmlns:a16="http://schemas.microsoft.com/office/drawing/2014/main" id="{07864068-3486-4CF4-A2E3-926163C9B28E}"/>
+              </a:ext>
+            </a:extLst>
+          </p:cNvPr>
+          <p:cNvSpPr/>
+          <p:nvPr/>
+        </p:nvSpPr>
+        <p:spPr>
+          <a:xfrm>
+            <a:off x="1197728" y="4246765"/>
+            <a:ext cx="2796209" cy="1570580"/>
+          </a:xfrm>
+          <a:prstGeom prst="ellipse">
+            <a:avLst/>
+          </a:prstGeom>
+          <a:noFill/>
+          <a:ln>
+            <a:solidFill>
+              <a:srgbClr val="002060"/>
+            </a:solidFill>
+          </a:ln>
+        </p:spPr>
+        <p:style>
+          <a:lnRef idx="2">
+            <a:schemeClr val="accent1">
+              <a:shade val="50000"/>
+            </a:schemeClr>
+          </a:lnRef>
+          <a:fillRef idx="1">
+            <a:schemeClr val="accent1"/>
+          </a:fillRef>
+          <a:effectRef idx="0">
+            <a:schemeClr val="accent1"/>
+          </a:effectRef>
+          <a:fontRef idx="minor">
+            <a:schemeClr val="lt1"/>
+          </a:fontRef>
+        </p:style>
+        <p:txBody>
+          <a:bodyPr rtlCol="0" anchor="ctr"/>
+          <a:lstStyle/>
+          <a:p>
+            <a:pPr algn="ctr"/>
+            <a:endParaRPr lang="en-US"/>
+          </a:p>
+        </p:txBody>
+      </p:sp>
     </p:spTree>
     <p:extLst>
       <p:ext uri="{BB962C8B-B14F-4D97-AF65-F5344CB8AC3E}">
@@ -18736,6 +19792,18 @@
   <p:clrMapOvr>
     <a:masterClrMapping/>
   </p:clrMapOvr>
+  <mc:AlternateContent xmlns:mc="http://schemas.openxmlformats.org/markup-compatibility/2006" xmlns:p15="http://schemas.microsoft.com/office/powerpoint/2012/main">
+    <mc:Choice Requires="p15">
+      <p:transition xmlns:p14="http://schemas.microsoft.com/office/powerpoint/2010/main" spd="slow" p14:dur="1250">
+        <p15:prstTrans prst="pageCurlDouble"/>
+      </p:transition>
+    </mc:Choice>
+    <mc:Fallback xmlns="">
+      <p:transition spd="slow">
+        <p:fade/>
+      </p:transition>
+    </mc:Fallback>
+  </mc:AlternateContent>
 </p:sld>
 </file>
 
@@ -18988,6 +20056,58 @@
           </a:prstGeom>
         </p:spPr>
       </p:pic>
+      <p:sp>
+        <p:nvSpPr>
+          <p:cNvPr id="10" name="Oval 9">
+            <a:extLst>
+              <a:ext uri="{FF2B5EF4-FFF2-40B4-BE49-F238E27FC236}">
+                <a16:creationId xmlns:a16="http://schemas.microsoft.com/office/drawing/2014/main" id="{4DBF34BE-315F-4485-8AE1-8739A80D4757}"/>
+              </a:ext>
+            </a:extLst>
+          </p:cNvPr>
+          <p:cNvSpPr/>
+          <p:nvPr/>
+        </p:nvSpPr>
+        <p:spPr>
+          <a:xfrm>
+            <a:off x="5040858" y="4299414"/>
+            <a:ext cx="2796209" cy="1570580"/>
+          </a:xfrm>
+          <a:prstGeom prst="ellipse">
+            <a:avLst/>
+          </a:prstGeom>
+          <a:noFill/>
+          <a:ln>
+            <a:solidFill>
+              <a:srgbClr val="002060"/>
+            </a:solidFill>
+          </a:ln>
+        </p:spPr>
+        <p:style>
+          <a:lnRef idx="2">
+            <a:schemeClr val="accent1">
+              <a:shade val="50000"/>
+            </a:schemeClr>
+          </a:lnRef>
+          <a:fillRef idx="1">
+            <a:schemeClr val="accent1"/>
+          </a:fillRef>
+          <a:effectRef idx="0">
+            <a:schemeClr val="accent1"/>
+          </a:effectRef>
+          <a:fontRef idx="minor">
+            <a:schemeClr val="lt1"/>
+          </a:fontRef>
+        </p:style>
+        <p:txBody>
+          <a:bodyPr rtlCol="0" anchor="ctr"/>
+          <a:lstStyle/>
+          <a:p>
+            <a:pPr algn="ctr"/>
+            <a:endParaRPr lang="en-US"/>
+          </a:p>
+        </p:txBody>
+      </p:sp>
     </p:spTree>
     <p:extLst>
       <p:ext uri="{BB962C8B-B14F-4D97-AF65-F5344CB8AC3E}">
@@ -18998,6 +20118,18 @@
   <p:clrMapOvr>
     <a:masterClrMapping/>
   </p:clrMapOvr>
+  <mc:AlternateContent xmlns:mc="http://schemas.openxmlformats.org/markup-compatibility/2006" xmlns:p15="http://schemas.microsoft.com/office/powerpoint/2012/main">
+    <mc:Choice Requires="p15">
+      <p:transition xmlns:p14="http://schemas.microsoft.com/office/powerpoint/2010/main" spd="slow" p14:dur="1250">
+        <p15:prstTrans prst="pageCurlDouble"/>
+      </p:transition>
+    </mc:Choice>
+    <mc:Fallback xmlns="">
+      <p:transition spd="slow">
+        <p:fade/>
+      </p:transition>
+    </mc:Fallback>
+  </mc:AlternateContent>
 </p:sld>
 </file>
 
@@ -19711,6 +20843,18 @@
   <p:clrMapOvr>
     <a:masterClrMapping/>
   </p:clrMapOvr>
+  <mc:AlternateContent xmlns:mc="http://schemas.openxmlformats.org/markup-compatibility/2006" xmlns:p15="http://schemas.microsoft.com/office/powerpoint/2012/main">
+    <mc:Choice Requires="p15">
+      <p:transition xmlns:p14="http://schemas.microsoft.com/office/powerpoint/2010/main" spd="slow" p14:dur="1250">
+        <p15:prstTrans prst="pageCurlDouble"/>
+      </p:transition>
+    </mc:Choice>
+    <mc:Fallback xmlns="">
+      <p:transition spd="slow">
+        <p:fade/>
+      </p:transition>
+    </mc:Fallback>
+  </mc:AlternateContent>
 </p:sld>
 </file>
 
@@ -20690,11 +21834,23 @@
   <p:clrMapOvr>
     <a:masterClrMapping/>
   </p:clrMapOvr>
+  <mc:AlternateContent xmlns:mc="http://schemas.openxmlformats.org/markup-compatibility/2006" xmlns:p15="http://schemas.microsoft.com/office/powerpoint/2012/main">
+    <mc:Choice Requires="p15">
+      <p:transition xmlns:p14="http://schemas.microsoft.com/office/powerpoint/2010/main" spd="slow" p14:dur="1250">
+        <p15:prstTrans prst="pageCurlDouble"/>
+      </p:transition>
+    </mc:Choice>
+    <mc:Fallback xmlns="">
+      <p:transition spd="slow">
+        <p:fade/>
+      </p:transition>
+    </mc:Fallback>
+  </mc:AlternateContent>
 </p:sld>
 </file>
 
 <file path=ppt/slides/slide2.xml><?xml version="1.0" encoding="utf-8"?>
-<p:sld xmlns:a="http://schemas.openxmlformats.org/drawingml/2006/main" xmlns:r="http://schemas.openxmlformats.org/officeDocument/2006/relationships" xmlns:p="http://schemas.openxmlformats.org/presentationml/2006/main">
+<p:sld xmlns:a="http://schemas.openxmlformats.org/drawingml/2006/main" xmlns:r="http://schemas.openxmlformats.org/officeDocument/2006/relationships" xmlns:p="http://schemas.openxmlformats.org/presentationml/2006/main" show="0">
   <p:cSld>
     <p:bg>
       <p:bgPr>
@@ -20846,10 +22002,7 @@
           <a:bodyPr/>
           <a:lstStyle/>
           <a:p>
-            <a:r>
-              <a:rPr lang="en-US" dirty="0"/>
-              <a:t>High Employee Turnover Rates do more than just disrupt the workflow – they can be costly, and can signify company adaptability problems</a:t>
-            </a:r>
+            <a:endParaRPr lang="en-US" dirty="0"/>
           </a:p>
         </p:txBody>
       </p:sp>
@@ -20881,7 +22034,7 @@
           <a:p>
             <a:r>
               <a:rPr lang="en-US" dirty="0"/>
-              <a:t>Turnover rate</a:t>
+              <a:t>Turnover rates</a:t>
             </a:r>
           </a:p>
         </p:txBody>
@@ -21869,6 +23022,18 @@
   <p:clrMapOvr>
     <a:masterClrMapping/>
   </p:clrMapOvr>
+  <mc:AlternateContent xmlns:mc="http://schemas.openxmlformats.org/markup-compatibility/2006" xmlns:p15="http://schemas.microsoft.com/office/powerpoint/2012/main">
+    <mc:Choice Requires="p15">
+      <p:transition xmlns:p14="http://schemas.microsoft.com/office/powerpoint/2010/main" spd="slow" p14:dur="1250">
+        <p15:prstTrans prst="pageCurlDouble"/>
+      </p:transition>
+    </mc:Choice>
+    <mc:Fallback xmlns="">
+      <p:transition spd="slow">
+        <p:fade/>
+      </p:transition>
+    </mc:Fallback>
+  </mc:AlternateContent>
 </p:sld>
 </file>
 
@@ -23701,11 +24866,23 @@
   <p:clrMapOvr>
     <a:masterClrMapping/>
   </p:clrMapOvr>
+  <mc:AlternateContent xmlns:mc="http://schemas.openxmlformats.org/markup-compatibility/2006" xmlns:p15="http://schemas.microsoft.com/office/powerpoint/2012/main">
+    <mc:Choice Requires="p15">
+      <p:transition xmlns:p14="http://schemas.microsoft.com/office/powerpoint/2010/main" spd="slow" p14:dur="1250">
+        <p15:prstTrans prst="pageCurlDouble"/>
+      </p:transition>
+    </mc:Choice>
+    <mc:Fallback xmlns="">
+      <p:transition spd="slow">
+        <p:fade/>
+      </p:transition>
+    </mc:Fallback>
+  </mc:AlternateContent>
 </p:sld>
 </file>
 
 <file path=ppt/slides/slide4.xml><?xml version="1.0" encoding="utf-8"?>
-<p:sld xmlns:a="http://schemas.openxmlformats.org/drawingml/2006/main" xmlns:r="http://schemas.openxmlformats.org/officeDocument/2006/relationships" xmlns:p="http://schemas.openxmlformats.org/presentationml/2006/main">
+<p:sld xmlns:a="http://schemas.openxmlformats.org/drawingml/2006/main" xmlns:r="http://schemas.openxmlformats.org/officeDocument/2006/relationships" xmlns:p="http://schemas.openxmlformats.org/presentationml/2006/main" show="0">
   <p:cSld>
     <p:spTree>
       <p:nvGrpSpPr>
@@ -24167,7 +25344,7 @@
         </p:blipFill>
         <p:spPr>
           <a:xfrm>
-            <a:off x="4268117" y="410623"/>
+            <a:off x="4268117" y="370866"/>
             <a:ext cx="3762589" cy="2506531"/>
           </a:xfrm>
           <a:prstGeom prst="rect">
@@ -24175,6 +25352,330 @@
           </a:prstGeom>
         </p:spPr>
       </p:pic>
+      <p:sp>
+        <p:nvSpPr>
+          <p:cNvPr id="2" name="Rectangle 1">
+            <a:extLst>
+              <a:ext uri="{FF2B5EF4-FFF2-40B4-BE49-F238E27FC236}">
+                <a16:creationId xmlns:a16="http://schemas.microsoft.com/office/drawing/2014/main" id="{81065CEB-ACDF-48C0-AD46-E9ACFA697D65}"/>
+              </a:ext>
+            </a:extLst>
+          </p:cNvPr>
+          <p:cNvSpPr/>
+          <p:nvPr/>
+        </p:nvSpPr>
+        <p:spPr>
+          <a:xfrm>
+            <a:off x="439568" y="1595992"/>
+            <a:ext cx="2648190" cy="675861"/>
+          </a:xfrm>
+          <a:prstGeom prst="rect">
+            <a:avLst/>
+          </a:prstGeom>
+          <a:noFill/>
+          <a:ln w="57150">
+            <a:solidFill>
+              <a:schemeClr val="accent1"/>
+            </a:solidFill>
+          </a:ln>
+        </p:spPr>
+        <p:style>
+          <a:lnRef idx="2">
+            <a:schemeClr val="accent1">
+              <a:shade val="50000"/>
+            </a:schemeClr>
+          </a:lnRef>
+          <a:fillRef idx="1">
+            <a:schemeClr val="accent1"/>
+          </a:fillRef>
+          <a:effectRef idx="0">
+            <a:schemeClr val="accent1"/>
+          </a:effectRef>
+          <a:fontRef idx="minor">
+            <a:schemeClr val="lt1"/>
+          </a:fontRef>
+        </p:style>
+        <p:txBody>
+          <a:bodyPr rtlCol="0" anchor="ctr"/>
+          <a:lstStyle/>
+          <a:p>
+            <a:pPr algn="ctr"/>
+            <a:endParaRPr lang="en-US">
+              <a:noFill/>
+            </a:endParaRPr>
+          </a:p>
+        </p:txBody>
+      </p:sp>
+      <p:sp>
+        <p:nvSpPr>
+          <p:cNvPr id="16" name="Rectangle 15">
+            <a:extLst>
+              <a:ext uri="{FF2B5EF4-FFF2-40B4-BE49-F238E27FC236}">
+                <a16:creationId xmlns:a16="http://schemas.microsoft.com/office/drawing/2014/main" id="{573FF1D1-98B3-4A8C-AAE1-718A19DFDDC1}"/>
+              </a:ext>
+            </a:extLst>
+          </p:cNvPr>
+          <p:cNvSpPr/>
+          <p:nvPr/>
+        </p:nvSpPr>
+        <p:spPr>
+          <a:xfrm>
+            <a:off x="439568" y="1065904"/>
+            <a:ext cx="2648190" cy="675861"/>
+          </a:xfrm>
+          <a:prstGeom prst="rect">
+            <a:avLst/>
+          </a:prstGeom>
+          <a:noFill/>
+          <a:ln w="57150">
+            <a:solidFill>
+              <a:schemeClr val="accent1"/>
+            </a:solidFill>
+          </a:ln>
+        </p:spPr>
+        <p:style>
+          <a:lnRef idx="2">
+            <a:schemeClr val="accent1">
+              <a:shade val="50000"/>
+            </a:schemeClr>
+          </a:lnRef>
+          <a:fillRef idx="1">
+            <a:schemeClr val="accent1"/>
+          </a:fillRef>
+          <a:effectRef idx="0">
+            <a:schemeClr val="accent1"/>
+          </a:effectRef>
+          <a:fontRef idx="minor">
+            <a:schemeClr val="lt1"/>
+          </a:fontRef>
+        </p:style>
+        <p:txBody>
+          <a:bodyPr rtlCol="0" anchor="ctr"/>
+          <a:lstStyle/>
+          <a:p>
+            <a:pPr algn="ctr"/>
+            <a:endParaRPr lang="en-US">
+              <a:noFill/>
+            </a:endParaRPr>
+          </a:p>
+        </p:txBody>
+      </p:sp>
+      <p:sp>
+        <p:nvSpPr>
+          <p:cNvPr id="23" name="Rectangle 22">
+            <a:extLst>
+              <a:ext uri="{FF2B5EF4-FFF2-40B4-BE49-F238E27FC236}">
+                <a16:creationId xmlns:a16="http://schemas.microsoft.com/office/drawing/2014/main" id="{A6794FE0-D78B-4BCF-8324-9DD9F7257F79}"/>
+              </a:ext>
+            </a:extLst>
+          </p:cNvPr>
+          <p:cNvSpPr/>
+          <p:nvPr/>
+        </p:nvSpPr>
+        <p:spPr>
+          <a:xfrm>
+            <a:off x="4360881" y="1898067"/>
+            <a:ext cx="2648190" cy="675861"/>
+          </a:xfrm>
+          <a:prstGeom prst="rect">
+            <a:avLst/>
+          </a:prstGeom>
+          <a:noFill/>
+          <a:ln w="57150">
+            <a:solidFill>
+              <a:schemeClr val="accent1"/>
+            </a:solidFill>
+          </a:ln>
+        </p:spPr>
+        <p:style>
+          <a:lnRef idx="2">
+            <a:schemeClr val="accent1">
+              <a:shade val="50000"/>
+            </a:schemeClr>
+          </a:lnRef>
+          <a:fillRef idx="1">
+            <a:schemeClr val="accent1"/>
+          </a:fillRef>
+          <a:effectRef idx="0">
+            <a:schemeClr val="accent1"/>
+          </a:effectRef>
+          <a:fontRef idx="minor">
+            <a:schemeClr val="lt1"/>
+          </a:fontRef>
+        </p:style>
+        <p:txBody>
+          <a:bodyPr rtlCol="0" anchor="ctr"/>
+          <a:lstStyle/>
+          <a:p>
+            <a:pPr algn="ctr"/>
+            <a:endParaRPr lang="en-US">
+              <a:noFill/>
+            </a:endParaRPr>
+          </a:p>
+        </p:txBody>
+      </p:sp>
+      <p:sp>
+        <p:nvSpPr>
+          <p:cNvPr id="24" name="Rectangle 23">
+            <a:extLst>
+              <a:ext uri="{FF2B5EF4-FFF2-40B4-BE49-F238E27FC236}">
+                <a16:creationId xmlns:a16="http://schemas.microsoft.com/office/drawing/2014/main" id="{BCDF3D0D-F7BE-47EC-A082-4CF8348438DA}"/>
+              </a:ext>
+            </a:extLst>
+          </p:cNvPr>
+          <p:cNvSpPr/>
+          <p:nvPr/>
+        </p:nvSpPr>
+        <p:spPr>
+          <a:xfrm>
+            <a:off x="4360881" y="2301948"/>
+            <a:ext cx="2648190" cy="675861"/>
+          </a:xfrm>
+          <a:prstGeom prst="rect">
+            <a:avLst/>
+          </a:prstGeom>
+          <a:noFill/>
+          <a:ln w="57150">
+            <a:solidFill>
+              <a:schemeClr val="accent1"/>
+            </a:solidFill>
+          </a:ln>
+        </p:spPr>
+        <p:style>
+          <a:lnRef idx="2">
+            <a:schemeClr val="accent1">
+              <a:shade val="50000"/>
+            </a:schemeClr>
+          </a:lnRef>
+          <a:fillRef idx="1">
+            <a:schemeClr val="accent1"/>
+          </a:fillRef>
+          <a:effectRef idx="0">
+            <a:schemeClr val="accent1"/>
+          </a:effectRef>
+          <a:fontRef idx="minor">
+            <a:schemeClr val="lt1"/>
+          </a:fontRef>
+        </p:style>
+        <p:txBody>
+          <a:bodyPr rtlCol="0" anchor="ctr"/>
+          <a:lstStyle/>
+          <a:p>
+            <a:pPr algn="ctr"/>
+            <a:endParaRPr lang="en-US">
+              <a:noFill/>
+            </a:endParaRPr>
+          </a:p>
+        </p:txBody>
+      </p:sp>
+      <p:sp>
+        <p:nvSpPr>
+          <p:cNvPr id="25" name="Rectangle 24">
+            <a:extLst>
+              <a:ext uri="{FF2B5EF4-FFF2-40B4-BE49-F238E27FC236}">
+                <a16:creationId xmlns:a16="http://schemas.microsoft.com/office/drawing/2014/main" id="{82588352-9DA0-4A1C-924C-1268B67D712C}"/>
+              </a:ext>
+            </a:extLst>
+          </p:cNvPr>
+          <p:cNvSpPr/>
+          <p:nvPr/>
+        </p:nvSpPr>
+        <p:spPr>
+          <a:xfrm rot="5400000">
+            <a:off x="7918070" y="1692319"/>
+            <a:ext cx="2648190" cy="483207"/>
+          </a:xfrm>
+          <a:prstGeom prst="rect">
+            <a:avLst/>
+          </a:prstGeom>
+          <a:noFill/>
+          <a:ln w="57150">
+            <a:solidFill>
+              <a:schemeClr val="accent1"/>
+            </a:solidFill>
+          </a:ln>
+        </p:spPr>
+        <p:style>
+          <a:lnRef idx="2">
+            <a:schemeClr val="accent1">
+              <a:shade val="50000"/>
+            </a:schemeClr>
+          </a:lnRef>
+          <a:fillRef idx="1">
+            <a:schemeClr val="accent1"/>
+          </a:fillRef>
+          <a:effectRef idx="0">
+            <a:schemeClr val="accent1"/>
+          </a:effectRef>
+          <a:fontRef idx="minor">
+            <a:schemeClr val="lt1"/>
+          </a:fontRef>
+        </p:style>
+        <p:txBody>
+          <a:bodyPr rtlCol="0" anchor="ctr"/>
+          <a:lstStyle/>
+          <a:p>
+            <a:pPr algn="ctr"/>
+            <a:endParaRPr lang="en-US">
+              <a:noFill/>
+            </a:endParaRPr>
+          </a:p>
+        </p:txBody>
+      </p:sp>
+      <p:sp>
+        <p:nvSpPr>
+          <p:cNvPr id="26" name="Rectangle 25">
+            <a:extLst>
+              <a:ext uri="{FF2B5EF4-FFF2-40B4-BE49-F238E27FC236}">
+                <a16:creationId xmlns:a16="http://schemas.microsoft.com/office/drawing/2014/main" id="{2ACF9121-E0AF-4DDF-832A-2D6E6C9A3777}"/>
+              </a:ext>
+            </a:extLst>
+          </p:cNvPr>
+          <p:cNvSpPr/>
+          <p:nvPr/>
+        </p:nvSpPr>
+        <p:spPr>
+          <a:xfrm rot="5400000">
+            <a:off x="8456497" y="1698053"/>
+            <a:ext cx="2648190" cy="483207"/>
+          </a:xfrm>
+          <a:prstGeom prst="rect">
+            <a:avLst/>
+          </a:prstGeom>
+          <a:noFill/>
+          <a:ln w="57150">
+            <a:solidFill>
+              <a:schemeClr val="accent1"/>
+            </a:solidFill>
+          </a:ln>
+        </p:spPr>
+        <p:style>
+          <a:lnRef idx="2">
+            <a:schemeClr val="accent1">
+              <a:shade val="50000"/>
+            </a:schemeClr>
+          </a:lnRef>
+          <a:fillRef idx="1">
+            <a:schemeClr val="accent1"/>
+          </a:fillRef>
+          <a:effectRef idx="0">
+            <a:schemeClr val="accent1"/>
+          </a:effectRef>
+          <a:fontRef idx="minor">
+            <a:schemeClr val="lt1"/>
+          </a:fontRef>
+        </p:style>
+        <p:txBody>
+          <a:bodyPr rtlCol="0" anchor="ctr"/>
+          <a:lstStyle/>
+          <a:p>
+            <a:pPr algn="ctr"/>
+            <a:endParaRPr lang="en-US">
+              <a:noFill/>
+            </a:endParaRPr>
+          </a:p>
+        </p:txBody>
+      </p:sp>
     </p:spTree>
     <p:extLst>
       <p:ext uri="{BB962C8B-B14F-4D97-AF65-F5344CB8AC3E}">
@@ -24185,6 +25686,926 @@
   <p:clrMapOvr>
     <a:masterClrMapping/>
   </p:clrMapOvr>
+  <mc:AlternateContent xmlns:mc="http://schemas.openxmlformats.org/markup-compatibility/2006" xmlns:p15="http://schemas.microsoft.com/office/powerpoint/2012/main">
+    <mc:Choice Requires="p15">
+      <p:transition xmlns:p14="http://schemas.microsoft.com/office/powerpoint/2010/main" spd="slow" p14:dur="1250">
+        <p15:prstTrans prst="pageCurlDouble"/>
+      </p:transition>
+    </mc:Choice>
+    <mc:Fallback xmlns="">
+      <p:transition spd="slow">
+        <p:fade/>
+      </p:transition>
+    </mc:Fallback>
+  </mc:AlternateContent>
+  <p:timing>
+    <p:tnLst>
+      <p:par>
+        <p:cTn id="1" dur="indefinite" restart="never" nodeType="tmRoot">
+          <p:childTnLst>
+            <p:seq concurrent="1" nextAc="seek">
+              <p:cTn id="2" dur="indefinite" nodeType="mainSeq">
+                <p:childTnLst>
+                  <p:par>
+                    <p:cTn id="3" fill="hold">
+                      <p:stCondLst>
+                        <p:cond delay="indefinite"/>
+                      </p:stCondLst>
+                      <p:childTnLst>
+                        <p:par>
+                          <p:cTn id="4" fill="hold">
+                            <p:stCondLst>
+                              <p:cond delay="0"/>
+                            </p:stCondLst>
+                            <p:childTnLst>
+                              <p:par>
+                                <p:cTn id="5" presetID="2" presetClass="entr" presetSubtype="8" fill="hold" grpId="0" nodeType="clickEffect">
+                                  <p:stCondLst>
+                                    <p:cond delay="0"/>
+                                  </p:stCondLst>
+                                  <p:childTnLst>
+                                    <p:set>
+                                      <p:cBhvr>
+                                        <p:cTn id="6" dur="1" fill="hold">
+                                          <p:stCondLst>
+                                            <p:cond delay="0"/>
+                                          </p:stCondLst>
+                                        </p:cTn>
+                                        <p:tgtEl>
+                                          <p:spTgt spid="2"/>
+                                        </p:tgtEl>
+                                        <p:attrNameLst>
+                                          <p:attrName>style.visibility</p:attrName>
+                                        </p:attrNameLst>
+                                      </p:cBhvr>
+                                      <p:to>
+                                        <p:strVal val="visible"/>
+                                      </p:to>
+                                    </p:set>
+                                    <p:anim calcmode="lin" valueType="num">
+                                      <p:cBhvr additive="base">
+                                        <p:cTn id="7" dur="500" fill="hold"/>
+                                        <p:tgtEl>
+                                          <p:spTgt spid="2"/>
+                                        </p:tgtEl>
+                                        <p:attrNameLst>
+                                          <p:attrName>ppt_x</p:attrName>
+                                        </p:attrNameLst>
+                                      </p:cBhvr>
+                                      <p:tavLst>
+                                        <p:tav tm="0">
+                                          <p:val>
+                                            <p:strVal val="0-#ppt_w/2"/>
+                                          </p:val>
+                                        </p:tav>
+                                        <p:tav tm="100000">
+                                          <p:val>
+                                            <p:strVal val="#ppt_x"/>
+                                          </p:val>
+                                        </p:tav>
+                                      </p:tavLst>
+                                    </p:anim>
+                                    <p:anim calcmode="lin" valueType="num">
+                                      <p:cBhvr additive="base">
+                                        <p:cTn id="8" dur="500" fill="hold"/>
+                                        <p:tgtEl>
+                                          <p:spTgt spid="2"/>
+                                        </p:tgtEl>
+                                        <p:attrNameLst>
+                                          <p:attrName>ppt_y</p:attrName>
+                                        </p:attrNameLst>
+                                      </p:cBhvr>
+                                      <p:tavLst>
+                                        <p:tav tm="0">
+                                          <p:val>
+                                            <p:strVal val="#ppt_y"/>
+                                          </p:val>
+                                        </p:tav>
+                                        <p:tav tm="100000">
+                                          <p:val>
+                                            <p:strVal val="#ppt_y"/>
+                                          </p:val>
+                                        </p:tav>
+                                      </p:tavLst>
+                                    </p:anim>
+                                  </p:childTnLst>
+                                </p:cTn>
+                              </p:par>
+                            </p:childTnLst>
+                          </p:cTn>
+                        </p:par>
+                      </p:childTnLst>
+                    </p:cTn>
+                  </p:par>
+                  <p:par>
+                    <p:cTn id="9" fill="hold">
+                      <p:stCondLst>
+                        <p:cond delay="indefinite"/>
+                      </p:stCondLst>
+                      <p:childTnLst>
+                        <p:par>
+                          <p:cTn id="10" fill="hold">
+                            <p:stCondLst>
+                              <p:cond delay="0"/>
+                            </p:stCondLst>
+                            <p:childTnLst>
+                              <p:par>
+                                <p:cTn id="11" presetID="9" presetClass="exit" presetSubtype="0" fill="hold" grpId="1" nodeType="clickEffect">
+                                  <p:stCondLst>
+                                    <p:cond delay="0"/>
+                                  </p:stCondLst>
+                                  <p:childTnLst>
+                                    <p:animEffect transition="out" filter="dissolve">
+                                      <p:cBhvr>
+                                        <p:cTn id="12" dur="500"/>
+                                        <p:tgtEl>
+                                          <p:spTgt spid="2"/>
+                                        </p:tgtEl>
+                                      </p:cBhvr>
+                                    </p:animEffect>
+                                    <p:set>
+                                      <p:cBhvr>
+                                        <p:cTn id="13" dur="1" fill="hold">
+                                          <p:stCondLst>
+                                            <p:cond delay="499"/>
+                                          </p:stCondLst>
+                                        </p:cTn>
+                                        <p:tgtEl>
+                                          <p:spTgt spid="2"/>
+                                        </p:tgtEl>
+                                        <p:attrNameLst>
+                                          <p:attrName>style.visibility</p:attrName>
+                                        </p:attrNameLst>
+                                      </p:cBhvr>
+                                      <p:to>
+                                        <p:strVal val="hidden"/>
+                                      </p:to>
+                                    </p:set>
+                                  </p:childTnLst>
+                                </p:cTn>
+                              </p:par>
+                            </p:childTnLst>
+                          </p:cTn>
+                        </p:par>
+                      </p:childTnLst>
+                    </p:cTn>
+                  </p:par>
+                  <p:par>
+                    <p:cTn id="14" fill="hold">
+                      <p:stCondLst>
+                        <p:cond delay="indefinite"/>
+                      </p:stCondLst>
+                      <p:childTnLst>
+                        <p:par>
+                          <p:cTn id="15" fill="hold">
+                            <p:stCondLst>
+                              <p:cond delay="0"/>
+                            </p:stCondLst>
+                            <p:childTnLst>
+                              <p:par>
+                                <p:cTn id="16" presetID="2" presetClass="entr" presetSubtype="8" fill="hold" grpId="0" nodeType="clickEffect">
+                                  <p:stCondLst>
+                                    <p:cond delay="0"/>
+                                  </p:stCondLst>
+                                  <p:childTnLst>
+                                    <p:set>
+                                      <p:cBhvr>
+                                        <p:cTn id="17" dur="1" fill="hold">
+                                          <p:stCondLst>
+                                            <p:cond delay="0"/>
+                                          </p:stCondLst>
+                                        </p:cTn>
+                                        <p:tgtEl>
+                                          <p:spTgt spid="16"/>
+                                        </p:tgtEl>
+                                        <p:attrNameLst>
+                                          <p:attrName>style.visibility</p:attrName>
+                                        </p:attrNameLst>
+                                      </p:cBhvr>
+                                      <p:to>
+                                        <p:strVal val="visible"/>
+                                      </p:to>
+                                    </p:set>
+                                    <p:anim calcmode="lin" valueType="num">
+                                      <p:cBhvr additive="base">
+                                        <p:cTn id="18" dur="500" fill="hold"/>
+                                        <p:tgtEl>
+                                          <p:spTgt spid="16"/>
+                                        </p:tgtEl>
+                                        <p:attrNameLst>
+                                          <p:attrName>ppt_x</p:attrName>
+                                        </p:attrNameLst>
+                                      </p:cBhvr>
+                                      <p:tavLst>
+                                        <p:tav tm="0">
+                                          <p:val>
+                                            <p:strVal val="0-#ppt_w/2"/>
+                                          </p:val>
+                                        </p:tav>
+                                        <p:tav tm="100000">
+                                          <p:val>
+                                            <p:strVal val="#ppt_x"/>
+                                          </p:val>
+                                        </p:tav>
+                                      </p:tavLst>
+                                    </p:anim>
+                                    <p:anim calcmode="lin" valueType="num">
+                                      <p:cBhvr additive="base">
+                                        <p:cTn id="19" dur="500" fill="hold"/>
+                                        <p:tgtEl>
+                                          <p:spTgt spid="16"/>
+                                        </p:tgtEl>
+                                        <p:attrNameLst>
+                                          <p:attrName>ppt_y</p:attrName>
+                                        </p:attrNameLst>
+                                      </p:cBhvr>
+                                      <p:tavLst>
+                                        <p:tav tm="0">
+                                          <p:val>
+                                            <p:strVal val="#ppt_y"/>
+                                          </p:val>
+                                        </p:tav>
+                                        <p:tav tm="100000">
+                                          <p:val>
+                                            <p:strVal val="#ppt_y"/>
+                                          </p:val>
+                                        </p:tav>
+                                      </p:tavLst>
+                                    </p:anim>
+                                  </p:childTnLst>
+                                </p:cTn>
+                              </p:par>
+                            </p:childTnLst>
+                          </p:cTn>
+                        </p:par>
+                      </p:childTnLst>
+                    </p:cTn>
+                  </p:par>
+                  <p:par>
+                    <p:cTn id="20" fill="hold">
+                      <p:stCondLst>
+                        <p:cond delay="indefinite"/>
+                      </p:stCondLst>
+                      <p:childTnLst>
+                        <p:par>
+                          <p:cTn id="21" fill="hold">
+                            <p:stCondLst>
+                              <p:cond delay="0"/>
+                            </p:stCondLst>
+                            <p:childTnLst>
+                              <p:par>
+                                <p:cTn id="22" presetID="10" presetClass="exit" presetSubtype="0" fill="hold" grpId="1" nodeType="clickEffect">
+                                  <p:stCondLst>
+                                    <p:cond delay="0"/>
+                                  </p:stCondLst>
+                                  <p:childTnLst>
+                                    <p:animEffect transition="out" filter="fade">
+                                      <p:cBhvr>
+                                        <p:cTn id="23" dur="500"/>
+                                        <p:tgtEl>
+                                          <p:spTgt spid="16"/>
+                                        </p:tgtEl>
+                                      </p:cBhvr>
+                                    </p:animEffect>
+                                    <p:set>
+                                      <p:cBhvr>
+                                        <p:cTn id="24" dur="1" fill="hold">
+                                          <p:stCondLst>
+                                            <p:cond delay="499"/>
+                                          </p:stCondLst>
+                                        </p:cTn>
+                                        <p:tgtEl>
+                                          <p:spTgt spid="16"/>
+                                        </p:tgtEl>
+                                        <p:attrNameLst>
+                                          <p:attrName>style.visibility</p:attrName>
+                                        </p:attrNameLst>
+                                      </p:cBhvr>
+                                      <p:to>
+                                        <p:strVal val="hidden"/>
+                                      </p:to>
+                                    </p:set>
+                                  </p:childTnLst>
+                                </p:cTn>
+                              </p:par>
+                            </p:childTnLst>
+                          </p:cTn>
+                        </p:par>
+                      </p:childTnLst>
+                    </p:cTn>
+                  </p:par>
+                  <p:par>
+                    <p:cTn id="25" fill="hold">
+                      <p:stCondLst>
+                        <p:cond delay="indefinite"/>
+                      </p:stCondLst>
+                      <p:childTnLst>
+                        <p:par>
+                          <p:cTn id="26" fill="hold">
+                            <p:stCondLst>
+                              <p:cond delay="0"/>
+                            </p:stCondLst>
+                            <p:childTnLst>
+                              <p:par>
+                                <p:cTn id="27" presetID="2" presetClass="entr" presetSubtype="8" fill="hold" grpId="0" nodeType="clickEffect">
+                                  <p:stCondLst>
+                                    <p:cond delay="0"/>
+                                  </p:stCondLst>
+                                  <p:childTnLst>
+                                    <p:set>
+                                      <p:cBhvr>
+                                        <p:cTn id="28" dur="1" fill="hold">
+                                          <p:stCondLst>
+                                            <p:cond delay="0"/>
+                                          </p:stCondLst>
+                                        </p:cTn>
+                                        <p:tgtEl>
+                                          <p:spTgt spid="23"/>
+                                        </p:tgtEl>
+                                        <p:attrNameLst>
+                                          <p:attrName>style.visibility</p:attrName>
+                                        </p:attrNameLst>
+                                      </p:cBhvr>
+                                      <p:to>
+                                        <p:strVal val="visible"/>
+                                      </p:to>
+                                    </p:set>
+                                    <p:anim calcmode="lin" valueType="num">
+                                      <p:cBhvr additive="base">
+                                        <p:cTn id="29" dur="500" fill="hold"/>
+                                        <p:tgtEl>
+                                          <p:spTgt spid="23"/>
+                                        </p:tgtEl>
+                                        <p:attrNameLst>
+                                          <p:attrName>ppt_x</p:attrName>
+                                        </p:attrNameLst>
+                                      </p:cBhvr>
+                                      <p:tavLst>
+                                        <p:tav tm="0">
+                                          <p:val>
+                                            <p:strVal val="0-#ppt_w/2"/>
+                                          </p:val>
+                                        </p:tav>
+                                        <p:tav tm="100000">
+                                          <p:val>
+                                            <p:strVal val="#ppt_x"/>
+                                          </p:val>
+                                        </p:tav>
+                                      </p:tavLst>
+                                    </p:anim>
+                                    <p:anim calcmode="lin" valueType="num">
+                                      <p:cBhvr additive="base">
+                                        <p:cTn id="30" dur="500" fill="hold"/>
+                                        <p:tgtEl>
+                                          <p:spTgt spid="23"/>
+                                        </p:tgtEl>
+                                        <p:attrNameLst>
+                                          <p:attrName>ppt_y</p:attrName>
+                                        </p:attrNameLst>
+                                      </p:cBhvr>
+                                      <p:tavLst>
+                                        <p:tav tm="0">
+                                          <p:val>
+                                            <p:strVal val="#ppt_y"/>
+                                          </p:val>
+                                        </p:tav>
+                                        <p:tav tm="100000">
+                                          <p:val>
+                                            <p:strVal val="#ppt_y"/>
+                                          </p:val>
+                                        </p:tav>
+                                      </p:tavLst>
+                                    </p:anim>
+                                  </p:childTnLst>
+                                </p:cTn>
+                              </p:par>
+                            </p:childTnLst>
+                          </p:cTn>
+                        </p:par>
+                      </p:childTnLst>
+                    </p:cTn>
+                  </p:par>
+                  <p:par>
+                    <p:cTn id="31" fill="hold">
+                      <p:stCondLst>
+                        <p:cond delay="indefinite"/>
+                      </p:stCondLst>
+                      <p:childTnLst>
+                        <p:par>
+                          <p:cTn id="32" fill="hold">
+                            <p:stCondLst>
+                              <p:cond delay="0"/>
+                            </p:stCondLst>
+                            <p:childTnLst>
+                              <p:par>
+                                <p:cTn id="33" presetID="9" presetClass="exit" presetSubtype="0" fill="hold" grpId="1" nodeType="clickEffect">
+                                  <p:stCondLst>
+                                    <p:cond delay="0"/>
+                                  </p:stCondLst>
+                                  <p:childTnLst>
+                                    <p:animEffect transition="out" filter="dissolve">
+                                      <p:cBhvr>
+                                        <p:cTn id="34" dur="500"/>
+                                        <p:tgtEl>
+                                          <p:spTgt spid="23"/>
+                                        </p:tgtEl>
+                                      </p:cBhvr>
+                                    </p:animEffect>
+                                    <p:set>
+                                      <p:cBhvr>
+                                        <p:cTn id="35" dur="1" fill="hold">
+                                          <p:stCondLst>
+                                            <p:cond delay="499"/>
+                                          </p:stCondLst>
+                                        </p:cTn>
+                                        <p:tgtEl>
+                                          <p:spTgt spid="23"/>
+                                        </p:tgtEl>
+                                        <p:attrNameLst>
+                                          <p:attrName>style.visibility</p:attrName>
+                                        </p:attrNameLst>
+                                      </p:cBhvr>
+                                      <p:to>
+                                        <p:strVal val="hidden"/>
+                                      </p:to>
+                                    </p:set>
+                                  </p:childTnLst>
+                                </p:cTn>
+                              </p:par>
+                            </p:childTnLst>
+                          </p:cTn>
+                        </p:par>
+                      </p:childTnLst>
+                    </p:cTn>
+                  </p:par>
+                  <p:par>
+                    <p:cTn id="36" fill="hold">
+                      <p:stCondLst>
+                        <p:cond delay="indefinite"/>
+                      </p:stCondLst>
+                      <p:childTnLst>
+                        <p:par>
+                          <p:cTn id="37" fill="hold">
+                            <p:stCondLst>
+                              <p:cond delay="0"/>
+                            </p:stCondLst>
+                            <p:childTnLst>
+                              <p:par>
+                                <p:cTn id="38" presetID="2" presetClass="entr" presetSubtype="8" fill="hold" grpId="0" nodeType="clickEffect">
+                                  <p:stCondLst>
+                                    <p:cond delay="0"/>
+                                  </p:stCondLst>
+                                  <p:childTnLst>
+                                    <p:set>
+                                      <p:cBhvr>
+                                        <p:cTn id="39" dur="1" fill="hold">
+                                          <p:stCondLst>
+                                            <p:cond delay="0"/>
+                                          </p:stCondLst>
+                                        </p:cTn>
+                                        <p:tgtEl>
+                                          <p:spTgt spid="24"/>
+                                        </p:tgtEl>
+                                        <p:attrNameLst>
+                                          <p:attrName>style.visibility</p:attrName>
+                                        </p:attrNameLst>
+                                      </p:cBhvr>
+                                      <p:to>
+                                        <p:strVal val="visible"/>
+                                      </p:to>
+                                    </p:set>
+                                    <p:anim calcmode="lin" valueType="num">
+                                      <p:cBhvr additive="base">
+                                        <p:cTn id="40" dur="500" fill="hold"/>
+                                        <p:tgtEl>
+                                          <p:spTgt spid="24"/>
+                                        </p:tgtEl>
+                                        <p:attrNameLst>
+                                          <p:attrName>ppt_x</p:attrName>
+                                        </p:attrNameLst>
+                                      </p:cBhvr>
+                                      <p:tavLst>
+                                        <p:tav tm="0">
+                                          <p:val>
+                                            <p:strVal val="0-#ppt_w/2"/>
+                                          </p:val>
+                                        </p:tav>
+                                        <p:tav tm="100000">
+                                          <p:val>
+                                            <p:strVal val="#ppt_x"/>
+                                          </p:val>
+                                        </p:tav>
+                                      </p:tavLst>
+                                    </p:anim>
+                                    <p:anim calcmode="lin" valueType="num">
+                                      <p:cBhvr additive="base">
+                                        <p:cTn id="41" dur="500" fill="hold"/>
+                                        <p:tgtEl>
+                                          <p:spTgt spid="24"/>
+                                        </p:tgtEl>
+                                        <p:attrNameLst>
+                                          <p:attrName>ppt_y</p:attrName>
+                                        </p:attrNameLst>
+                                      </p:cBhvr>
+                                      <p:tavLst>
+                                        <p:tav tm="0">
+                                          <p:val>
+                                            <p:strVal val="#ppt_y"/>
+                                          </p:val>
+                                        </p:tav>
+                                        <p:tav tm="100000">
+                                          <p:val>
+                                            <p:strVal val="#ppt_y"/>
+                                          </p:val>
+                                        </p:tav>
+                                      </p:tavLst>
+                                    </p:anim>
+                                  </p:childTnLst>
+                                </p:cTn>
+                              </p:par>
+                            </p:childTnLst>
+                          </p:cTn>
+                        </p:par>
+                      </p:childTnLst>
+                    </p:cTn>
+                  </p:par>
+                  <p:par>
+                    <p:cTn id="42" fill="hold">
+                      <p:stCondLst>
+                        <p:cond delay="indefinite"/>
+                      </p:stCondLst>
+                      <p:childTnLst>
+                        <p:par>
+                          <p:cTn id="43" fill="hold">
+                            <p:stCondLst>
+                              <p:cond delay="0"/>
+                            </p:stCondLst>
+                            <p:childTnLst>
+                              <p:par>
+                                <p:cTn id="44" presetID="9" presetClass="exit" presetSubtype="0" fill="hold" grpId="1" nodeType="clickEffect">
+                                  <p:stCondLst>
+                                    <p:cond delay="0"/>
+                                  </p:stCondLst>
+                                  <p:childTnLst>
+                                    <p:animEffect transition="out" filter="dissolve">
+                                      <p:cBhvr>
+                                        <p:cTn id="45" dur="500"/>
+                                        <p:tgtEl>
+                                          <p:spTgt spid="24"/>
+                                        </p:tgtEl>
+                                      </p:cBhvr>
+                                    </p:animEffect>
+                                    <p:set>
+                                      <p:cBhvr>
+                                        <p:cTn id="46" dur="1" fill="hold">
+                                          <p:stCondLst>
+                                            <p:cond delay="499"/>
+                                          </p:stCondLst>
+                                        </p:cTn>
+                                        <p:tgtEl>
+                                          <p:spTgt spid="24"/>
+                                        </p:tgtEl>
+                                        <p:attrNameLst>
+                                          <p:attrName>style.visibility</p:attrName>
+                                        </p:attrNameLst>
+                                      </p:cBhvr>
+                                      <p:to>
+                                        <p:strVal val="hidden"/>
+                                      </p:to>
+                                    </p:set>
+                                  </p:childTnLst>
+                                </p:cTn>
+                              </p:par>
+                            </p:childTnLst>
+                          </p:cTn>
+                        </p:par>
+                      </p:childTnLst>
+                    </p:cTn>
+                  </p:par>
+                  <p:par>
+                    <p:cTn id="47" fill="hold">
+                      <p:stCondLst>
+                        <p:cond delay="indefinite"/>
+                      </p:stCondLst>
+                      <p:childTnLst>
+                        <p:par>
+                          <p:cTn id="48" fill="hold">
+                            <p:stCondLst>
+                              <p:cond delay="0"/>
+                            </p:stCondLst>
+                            <p:childTnLst>
+                              <p:par>
+                                <p:cTn id="49" presetID="2" presetClass="entr" presetSubtype="8" fill="hold" grpId="0" nodeType="clickEffect">
+                                  <p:stCondLst>
+                                    <p:cond delay="0"/>
+                                  </p:stCondLst>
+                                  <p:childTnLst>
+                                    <p:set>
+                                      <p:cBhvr>
+                                        <p:cTn id="50" dur="1" fill="hold">
+                                          <p:stCondLst>
+                                            <p:cond delay="0"/>
+                                          </p:stCondLst>
+                                        </p:cTn>
+                                        <p:tgtEl>
+                                          <p:spTgt spid="25"/>
+                                        </p:tgtEl>
+                                        <p:attrNameLst>
+                                          <p:attrName>style.visibility</p:attrName>
+                                        </p:attrNameLst>
+                                      </p:cBhvr>
+                                      <p:to>
+                                        <p:strVal val="visible"/>
+                                      </p:to>
+                                    </p:set>
+                                    <p:anim calcmode="lin" valueType="num">
+                                      <p:cBhvr additive="base">
+                                        <p:cTn id="51" dur="500" fill="hold"/>
+                                        <p:tgtEl>
+                                          <p:spTgt spid="25"/>
+                                        </p:tgtEl>
+                                        <p:attrNameLst>
+                                          <p:attrName>ppt_x</p:attrName>
+                                        </p:attrNameLst>
+                                      </p:cBhvr>
+                                      <p:tavLst>
+                                        <p:tav tm="0">
+                                          <p:val>
+                                            <p:strVal val="0-#ppt_w/2"/>
+                                          </p:val>
+                                        </p:tav>
+                                        <p:tav tm="100000">
+                                          <p:val>
+                                            <p:strVal val="#ppt_x"/>
+                                          </p:val>
+                                        </p:tav>
+                                      </p:tavLst>
+                                    </p:anim>
+                                    <p:anim calcmode="lin" valueType="num">
+                                      <p:cBhvr additive="base">
+                                        <p:cTn id="52" dur="500" fill="hold"/>
+                                        <p:tgtEl>
+                                          <p:spTgt spid="25"/>
+                                        </p:tgtEl>
+                                        <p:attrNameLst>
+                                          <p:attrName>ppt_y</p:attrName>
+                                        </p:attrNameLst>
+                                      </p:cBhvr>
+                                      <p:tavLst>
+                                        <p:tav tm="0">
+                                          <p:val>
+                                            <p:strVal val="#ppt_y"/>
+                                          </p:val>
+                                        </p:tav>
+                                        <p:tav tm="100000">
+                                          <p:val>
+                                            <p:strVal val="#ppt_y"/>
+                                          </p:val>
+                                        </p:tav>
+                                      </p:tavLst>
+                                    </p:anim>
+                                  </p:childTnLst>
+                                </p:cTn>
+                              </p:par>
+                            </p:childTnLst>
+                          </p:cTn>
+                        </p:par>
+                      </p:childTnLst>
+                    </p:cTn>
+                  </p:par>
+                  <p:par>
+                    <p:cTn id="53" fill="hold">
+                      <p:stCondLst>
+                        <p:cond delay="indefinite"/>
+                      </p:stCondLst>
+                      <p:childTnLst>
+                        <p:par>
+                          <p:cTn id="54" fill="hold">
+                            <p:stCondLst>
+                              <p:cond delay="0"/>
+                            </p:stCondLst>
+                            <p:childTnLst>
+                              <p:par>
+                                <p:cTn id="55" presetID="9" presetClass="exit" presetSubtype="0" fill="hold" grpId="1" nodeType="clickEffect">
+                                  <p:stCondLst>
+                                    <p:cond delay="0"/>
+                                  </p:stCondLst>
+                                  <p:childTnLst>
+                                    <p:animEffect transition="out" filter="dissolve">
+                                      <p:cBhvr>
+                                        <p:cTn id="56" dur="500"/>
+                                        <p:tgtEl>
+                                          <p:spTgt spid="25"/>
+                                        </p:tgtEl>
+                                      </p:cBhvr>
+                                    </p:animEffect>
+                                    <p:set>
+                                      <p:cBhvr>
+                                        <p:cTn id="57" dur="1" fill="hold">
+                                          <p:stCondLst>
+                                            <p:cond delay="499"/>
+                                          </p:stCondLst>
+                                        </p:cTn>
+                                        <p:tgtEl>
+                                          <p:spTgt spid="25"/>
+                                        </p:tgtEl>
+                                        <p:attrNameLst>
+                                          <p:attrName>style.visibility</p:attrName>
+                                        </p:attrNameLst>
+                                      </p:cBhvr>
+                                      <p:to>
+                                        <p:strVal val="hidden"/>
+                                      </p:to>
+                                    </p:set>
+                                  </p:childTnLst>
+                                </p:cTn>
+                              </p:par>
+                            </p:childTnLst>
+                          </p:cTn>
+                        </p:par>
+                      </p:childTnLst>
+                    </p:cTn>
+                  </p:par>
+                  <p:par>
+                    <p:cTn id="58" fill="hold">
+                      <p:stCondLst>
+                        <p:cond delay="indefinite"/>
+                      </p:stCondLst>
+                      <p:childTnLst>
+                        <p:par>
+                          <p:cTn id="59" fill="hold">
+                            <p:stCondLst>
+                              <p:cond delay="0"/>
+                            </p:stCondLst>
+                            <p:childTnLst>
+                              <p:par>
+                                <p:cTn id="60" presetID="2" presetClass="entr" presetSubtype="8" fill="hold" grpId="0" nodeType="clickEffect">
+                                  <p:stCondLst>
+                                    <p:cond delay="0"/>
+                                  </p:stCondLst>
+                                  <p:childTnLst>
+                                    <p:set>
+                                      <p:cBhvr>
+                                        <p:cTn id="61" dur="1" fill="hold">
+                                          <p:stCondLst>
+                                            <p:cond delay="0"/>
+                                          </p:stCondLst>
+                                        </p:cTn>
+                                        <p:tgtEl>
+                                          <p:spTgt spid="26"/>
+                                        </p:tgtEl>
+                                        <p:attrNameLst>
+                                          <p:attrName>style.visibility</p:attrName>
+                                        </p:attrNameLst>
+                                      </p:cBhvr>
+                                      <p:to>
+                                        <p:strVal val="visible"/>
+                                      </p:to>
+                                    </p:set>
+                                    <p:anim calcmode="lin" valueType="num">
+                                      <p:cBhvr additive="base">
+                                        <p:cTn id="62" dur="500" fill="hold"/>
+                                        <p:tgtEl>
+                                          <p:spTgt spid="26"/>
+                                        </p:tgtEl>
+                                        <p:attrNameLst>
+                                          <p:attrName>ppt_x</p:attrName>
+                                        </p:attrNameLst>
+                                      </p:cBhvr>
+                                      <p:tavLst>
+                                        <p:tav tm="0">
+                                          <p:val>
+                                            <p:strVal val="0-#ppt_w/2"/>
+                                          </p:val>
+                                        </p:tav>
+                                        <p:tav tm="100000">
+                                          <p:val>
+                                            <p:strVal val="#ppt_x"/>
+                                          </p:val>
+                                        </p:tav>
+                                      </p:tavLst>
+                                    </p:anim>
+                                    <p:anim calcmode="lin" valueType="num">
+                                      <p:cBhvr additive="base">
+                                        <p:cTn id="63" dur="500" fill="hold"/>
+                                        <p:tgtEl>
+                                          <p:spTgt spid="26"/>
+                                        </p:tgtEl>
+                                        <p:attrNameLst>
+                                          <p:attrName>ppt_y</p:attrName>
+                                        </p:attrNameLst>
+                                      </p:cBhvr>
+                                      <p:tavLst>
+                                        <p:tav tm="0">
+                                          <p:val>
+                                            <p:strVal val="#ppt_y"/>
+                                          </p:val>
+                                        </p:tav>
+                                        <p:tav tm="100000">
+                                          <p:val>
+                                            <p:strVal val="#ppt_y"/>
+                                          </p:val>
+                                        </p:tav>
+                                      </p:tavLst>
+                                    </p:anim>
+                                  </p:childTnLst>
+                                </p:cTn>
+                              </p:par>
+                            </p:childTnLst>
+                          </p:cTn>
+                        </p:par>
+                      </p:childTnLst>
+                    </p:cTn>
+                  </p:par>
+                  <p:par>
+                    <p:cTn id="64" fill="hold">
+                      <p:stCondLst>
+                        <p:cond delay="indefinite"/>
+                      </p:stCondLst>
+                      <p:childTnLst>
+                        <p:par>
+                          <p:cTn id="65" fill="hold">
+                            <p:stCondLst>
+                              <p:cond delay="0"/>
+                            </p:stCondLst>
+                            <p:childTnLst>
+                              <p:par>
+                                <p:cTn id="66" presetID="9" presetClass="exit" presetSubtype="0" fill="hold" grpId="1" nodeType="clickEffect">
+                                  <p:stCondLst>
+                                    <p:cond delay="0"/>
+                                  </p:stCondLst>
+                                  <p:childTnLst>
+                                    <p:animEffect transition="out" filter="dissolve">
+                                      <p:cBhvr>
+                                        <p:cTn id="67" dur="500"/>
+                                        <p:tgtEl>
+                                          <p:spTgt spid="26"/>
+                                        </p:tgtEl>
+                                      </p:cBhvr>
+                                    </p:animEffect>
+                                    <p:set>
+                                      <p:cBhvr>
+                                        <p:cTn id="68" dur="1" fill="hold">
+                                          <p:stCondLst>
+                                            <p:cond delay="499"/>
+                                          </p:stCondLst>
+                                        </p:cTn>
+                                        <p:tgtEl>
+                                          <p:spTgt spid="26"/>
+                                        </p:tgtEl>
+                                        <p:attrNameLst>
+                                          <p:attrName>style.visibility</p:attrName>
+                                        </p:attrNameLst>
+                                      </p:cBhvr>
+                                      <p:to>
+                                        <p:strVal val="hidden"/>
+                                      </p:to>
+                                    </p:set>
+                                  </p:childTnLst>
+                                </p:cTn>
+                              </p:par>
+                            </p:childTnLst>
+                          </p:cTn>
+                        </p:par>
+                      </p:childTnLst>
+                    </p:cTn>
+                  </p:par>
+                </p:childTnLst>
+              </p:cTn>
+              <p:prevCondLst>
+                <p:cond evt="onPrev" delay="0">
+                  <p:tgtEl>
+                    <p:sldTgt/>
+                  </p:tgtEl>
+                </p:cond>
+              </p:prevCondLst>
+              <p:nextCondLst>
+                <p:cond evt="onNext" delay="0">
+                  <p:tgtEl>
+                    <p:sldTgt/>
+                  </p:tgtEl>
+                </p:cond>
+              </p:nextCondLst>
+            </p:seq>
+          </p:childTnLst>
+        </p:cTn>
+      </p:par>
+    </p:tnLst>
+    <p:bldLst>
+      <p:bldP spid="2" grpId="0" animBg="1"/>
+      <p:bldP spid="2" grpId="1" animBg="1"/>
+      <p:bldP spid="16" grpId="0" animBg="1"/>
+      <p:bldP spid="16" grpId="1" animBg="1"/>
+      <p:bldP spid="23" grpId="0" animBg="1"/>
+      <p:bldP spid="23" grpId="1" animBg="1"/>
+      <p:bldP spid="24" grpId="0" animBg="1"/>
+      <p:bldP spid="24" grpId="1" animBg="1"/>
+      <p:bldP spid="25" grpId="0" animBg="1"/>
+      <p:bldP spid="25" grpId="1" animBg="1"/>
+      <p:bldP spid="26" grpId="0" animBg="1"/>
+      <p:bldP spid="26" grpId="1" animBg="1"/>
+    </p:bldLst>
+  </p:timing>
 </p:sld>
 </file>
 
@@ -24431,6 +26852,63 @@
           </a:prstGeom>
         </p:spPr>
       </p:pic>
+      <p:sp>
+        <p:nvSpPr>
+          <p:cNvPr id="6" name="TextBox 5">
+            <a:extLst>
+              <a:ext uri="{FF2B5EF4-FFF2-40B4-BE49-F238E27FC236}">
+                <a16:creationId xmlns:a16="http://schemas.microsoft.com/office/drawing/2014/main" id="{D3E137E0-B7C9-44E5-9F57-51B569D0ABBB}"/>
+              </a:ext>
+            </a:extLst>
+          </p:cNvPr>
+          <p:cNvSpPr txBox="1"/>
+          <p:nvPr/>
+        </p:nvSpPr>
+        <p:spPr>
+          <a:xfrm>
+            <a:off x="861392" y="6377001"/>
+            <a:ext cx="5673348" cy="369332"/>
+          </a:xfrm>
+          <a:prstGeom prst="rect">
+            <a:avLst/>
+          </a:prstGeom>
+          <a:noFill/>
+        </p:spPr>
+        <p:txBody>
+          <a:bodyPr wrap="none" rtlCol="0">
+            <a:spAutoFit/>
+          </a:bodyPr>
+          <a:lstStyle/>
+          <a:p>
+            <a:r>
+              <a:rPr lang="en-US" dirty="0"/>
+              <a:t>Explore these parameters yourself on </a:t>
+            </a:r>
+            <a:r>
+              <a:rPr lang="en-US" dirty="0">
+                <a:hlinkClick r:id="rId5"/>
+              </a:rPr>
+              <a:t>my </a:t>
+            </a:r>
+            <a:r>
+              <a:rPr lang="en-US" dirty="0" err="1">
+                <a:hlinkClick r:id="rId5"/>
+              </a:rPr>
+              <a:t>Rshiny</a:t>
+            </a:r>
+            <a:r>
+              <a:rPr lang="en-US" dirty="0">
+                <a:hlinkClick r:id="rId5"/>
+              </a:rPr>
+              <a:t> app</a:t>
+            </a:r>
+            <a:r>
+              <a:rPr lang="en-US" dirty="0"/>
+              <a:t>!</a:t>
+            </a:r>
+          </a:p>
+        </p:txBody>
+      </p:sp>
     </p:spTree>
     <p:extLst>
       <p:ext uri="{BB962C8B-B14F-4D97-AF65-F5344CB8AC3E}">
@@ -24441,6 +26919,18 @@
   <p:clrMapOvr>
     <a:masterClrMapping/>
   </p:clrMapOvr>
+  <mc:AlternateContent xmlns:mc="http://schemas.openxmlformats.org/markup-compatibility/2006" xmlns:p15="http://schemas.microsoft.com/office/powerpoint/2012/main">
+    <mc:Choice Requires="p15">
+      <p:transition xmlns:p14="http://schemas.microsoft.com/office/powerpoint/2010/main" spd="slow" p14:dur="1250">
+        <p15:prstTrans prst="pageCurlDouble"/>
+      </p:transition>
+    </mc:Choice>
+    <mc:Fallback xmlns="">
+      <p:transition spd="slow">
+        <p:fade/>
+      </p:transition>
+    </mc:Fallback>
+  </mc:AlternateContent>
 </p:sld>
 </file>
 
@@ -24718,7 +27208,7 @@
         </p:blipFill>
         <p:spPr>
           <a:xfrm>
-            <a:off x="459650" y="2514601"/>
+            <a:off x="459650" y="2527853"/>
             <a:ext cx="5262950" cy="3808922"/>
           </a:xfrm>
           <a:prstGeom prst="rect">
@@ -24726,6 +27216,164 @@
           </a:prstGeom>
         </p:spPr>
       </p:pic>
+      <p:cxnSp>
+        <p:nvCxnSpPr>
+          <p:cNvPr id="10" name="Straight Arrow Connector 9">
+            <a:extLst>
+              <a:ext uri="{FF2B5EF4-FFF2-40B4-BE49-F238E27FC236}">
+                <a16:creationId xmlns:a16="http://schemas.microsoft.com/office/drawing/2014/main" id="{4A483F0C-4E8D-4DAE-BC64-FE626E8DF538}"/>
+              </a:ext>
+            </a:extLst>
+          </p:cNvPr>
+          <p:cNvCxnSpPr/>
+          <p:nvPr/>
+        </p:nvCxnSpPr>
+        <p:spPr>
+          <a:xfrm flipH="1">
+            <a:off x="4224959" y="3615201"/>
+            <a:ext cx="349733" cy="162339"/>
+          </a:xfrm>
+          <a:prstGeom prst="straightConnector1">
+            <a:avLst/>
+          </a:prstGeom>
+          <a:ln>
+            <a:tailEnd type="triangle"/>
+          </a:ln>
+        </p:spPr>
+        <p:style>
+          <a:lnRef idx="1">
+            <a:schemeClr val="dk1"/>
+          </a:lnRef>
+          <a:fillRef idx="0">
+            <a:schemeClr val="dk1"/>
+          </a:fillRef>
+          <a:effectRef idx="0">
+            <a:schemeClr val="dk1"/>
+          </a:effectRef>
+          <a:fontRef idx="minor">
+            <a:schemeClr val="tx1"/>
+          </a:fontRef>
+        </p:style>
+      </p:cxnSp>
+      <p:cxnSp>
+        <p:nvCxnSpPr>
+          <p:cNvPr id="12" name="Straight Arrow Connector 11">
+            <a:extLst>
+              <a:ext uri="{FF2B5EF4-FFF2-40B4-BE49-F238E27FC236}">
+                <a16:creationId xmlns:a16="http://schemas.microsoft.com/office/drawing/2014/main" id="{F409A3C4-4ACE-4257-9A4A-64B55230FBA6}"/>
+              </a:ext>
+            </a:extLst>
+          </p:cNvPr>
+          <p:cNvCxnSpPr/>
+          <p:nvPr/>
+        </p:nvCxnSpPr>
+        <p:spPr>
+          <a:xfrm flipH="1">
+            <a:off x="4377359" y="3767601"/>
+            <a:ext cx="349733" cy="162339"/>
+          </a:xfrm>
+          <a:prstGeom prst="straightConnector1">
+            <a:avLst/>
+          </a:prstGeom>
+          <a:ln>
+            <a:tailEnd type="triangle"/>
+          </a:ln>
+        </p:spPr>
+        <p:style>
+          <a:lnRef idx="1">
+            <a:schemeClr val="dk1"/>
+          </a:lnRef>
+          <a:fillRef idx="0">
+            <a:schemeClr val="dk1"/>
+          </a:fillRef>
+          <a:effectRef idx="0">
+            <a:schemeClr val="dk1"/>
+          </a:effectRef>
+          <a:fontRef idx="minor">
+            <a:schemeClr val="tx1"/>
+          </a:fontRef>
+        </p:style>
+      </p:cxnSp>
+      <p:cxnSp>
+        <p:nvCxnSpPr>
+          <p:cNvPr id="13" name="Straight Arrow Connector 12">
+            <a:extLst>
+              <a:ext uri="{FF2B5EF4-FFF2-40B4-BE49-F238E27FC236}">
+                <a16:creationId xmlns:a16="http://schemas.microsoft.com/office/drawing/2014/main" id="{EBE0223A-A627-48B3-A63B-777A90A7C05B}"/>
+              </a:ext>
+            </a:extLst>
+          </p:cNvPr>
+          <p:cNvCxnSpPr/>
+          <p:nvPr/>
+        </p:nvCxnSpPr>
+        <p:spPr>
+          <a:xfrm flipH="1">
+            <a:off x="4125213" y="4074375"/>
+            <a:ext cx="349733" cy="162339"/>
+          </a:xfrm>
+          <a:prstGeom prst="straightConnector1">
+            <a:avLst/>
+          </a:prstGeom>
+          <a:ln>
+            <a:tailEnd type="triangle"/>
+          </a:ln>
+        </p:spPr>
+        <p:style>
+          <a:lnRef idx="1">
+            <a:schemeClr val="dk1"/>
+          </a:lnRef>
+          <a:fillRef idx="0">
+            <a:schemeClr val="dk1"/>
+          </a:fillRef>
+          <a:effectRef idx="0">
+            <a:schemeClr val="dk1"/>
+          </a:effectRef>
+          <a:fontRef idx="minor">
+            <a:schemeClr val="tx1"/>
+          </a:fontRef>
+        </p:style>
+      </p:cxnSp>
+      <p:cxnSp>
+        <p:nvCxnSpPr>
+          <p:cNvPr id="14" name="Straight Arrow Connector 13">
+            <a:extLst>
+              <a:ext uri="{FF2B5EF4-FFF2-40B4-BE49-F238E27FC236}">
+                <a16:creationId xmlns:a16="http://schemas.microsoft.com/office/drawing/2014/main" id="{FD915E53-D688-46E4-A4F4-C9C887BED1EA}"/>
+              </a:ext>
+            </a:extLst>
+          </p:cNvPr>
+          <p:cNvCxnSpPr>
+            <a:cxnSpLocks/>
+          </p:cNvCxnSpPr>
+          <p:nvPr/>
+        </p:nvCxnSpPr>
+        <p:spPr>
+          <a:xfrm flipV="1">
+            <a:off x="4713840" y="4597518"/>
+            <a:ext cx="77279" cy="275969"/>
+          </a:xfrm>
+          <a:prstGeom prst="straightConnector1">
+            <a:avLst/>
+          </a:prstGeom>
+          <a:ln>
+            <a:tailEnd type="triangle"/>
+          </a:ln>
+        </p:spPr>
+        <p:style>
+          <a:lnRef idx="1">
+            <a:schemeClr val="dk1"/>
+          </a:lnRef>
+          <a:fillRef idx="0">
+            <a:schemeClr val="dk1"/>
+          </a:fillRef>
+          <a:effectRef idx="0">
+            <a:schemeClr val="dk1"/>
+          </a:effectRef>
+          <a:fontRef idx="minor">
+            <a:schemeClr val="tx1"/>
+          </a:fontRef>
+        </p:style>
+      </p:cxnSp>
     </p:spTree>
     <p:extLst>
       <p:ext uri="{BB962C8B-B14F-4D97-AF65-F5344CB8AC3E}">
@@ -24736,6 +27384,18 @@
   <p:clrMapOvr>
     <a:masterClrMapping/>
   </p:clrMapOvr>
+  <mc:AlternateContent xmlns:mc="http://schemas.openxmlformats.org/markup-compatibility/2006" xmlns:p15="http://schemas.microsoft.com/office/powerpoint/2012/main">
+    <mc:Choice Requires="p15">
+      <p:transition xmlns:p14="http://schemas.microsoft.com/office/powerpoint/2010/main" spd="slow" p14:dur="1250">
+        <p15:prstTrans prst="pageCurlDouble"/>
+      </p:transition>
+    </mc:Choice>
+    <mc:Fallback xmlns="">
+      <p:transition spd="slow">
+        <p:fade/>
+      </p:transition>
+    </mc:Fallback>
+  </mc:AlternateContent>
   <p:timing>
     <p:tnLst>
       <p:par>
@@ -24942,6 +27602,218 @@
                       </p:childTnLst>
                     </p:cTn>
                   </p:par>
+                  <p:par>
+                    <p:cTn id="17" fill="hold">
+                      <p:stCondLst>
+                        <p:cond delay="indefinite"/>
+                      </p:stCondLst>
+                      <p:childTnLst>
+                        <p:par>
+                          <p:cTn id="18" fill="hold">
+                            <p:stCondLst>
+                              <p:cond delay="0"/>
+                            </p:stCondLst>
+                            <p:childTnLst>
+                              <p:par>
+                                <p:cTn id="19" presetID="22" presetClass="entr" presetSubtype="2" fill="hold" nodeType="clickEffect">
+                                  <p:stCondLst>
+                                    <p:cond delay="0"/>
+                                  </p:stCondLst>
+                                  <p:childTnLst>
+                                    <p:set>
+                                      <p:cBhvr>
+                                        <p:cTn id="20" dur="1" fill="hold">
+                                          <p:stCondLst>
+                                            <p:cond delay="0"/>
+                                          </p:stCondLst>
+                                        </p:cTn>
+                                        <p:tgtEl>
+                                          <p:spTgt spid="10"/>
+                                        </p:tgtEl>
+                                        <p:attrNameLst>
+                                          <p:attrName>style.visibility</p:attrName>
+                                        </p:attrNameLst>
+                                      </p:cBhvr>
+                                      <p:to>
+                                        <p:strVal val="visible"/>
+                                      </p:to>
+                                    </p:set>
+                                    <p:animEffect transition="in" filter="wipe(right)">
+                                      <p:cBhvr>
+                                        <p:cTn id="21" dur="500"/>
+                                        <p:tgtEl>
+                                          <p:spTgt spid="10"/>
+                                        </p:tgtEl>
+                                      </p:cBhvr>
+                                    </p:animEffect>
+                                  </p:childTnLst>
+                                </p:cTn>
+                              </p:par>
+                            </p:childTnLst>
+                          </p:cTn>
+                        </p:par>
+                      </p:childTnLst>
+                    </p:cTn>
+                  </p:par>
+                  <p:par>
+                    <p:cTn id="22" fill="hold">
+                      <p:stCondLst>
+                        <p:cond delay="indefinite"/>
+                      </p:stCondLst>
+                      <p:childTnLst>
+                        <p:par>
+                          <p:cTn id="23" fill="hold">
+                            <p:stCondLst>
+                              <p:cond delay="0"/>
+                            </p:stCondLst>
+                            <p:childTnLst>
+                              <p:par>
+                                <p:cTn id="24" presetID="22" presetClass="entr" presetSubtype="2" fill="hold" nodeType="clickEffect">
+                                  <p:stCondLst>
+                                    <p:cond delay="0"/>
+                                  </p:stCondLst>
+                                  <p:childTnLst>
+                                    <p:set>
+                                      <p:cBhvr>
+                                        <p:cTn id="25" dur="1" fill="hold">
+                                          <p:stCondLst>
+                                            <p:cond delay="0"/>
+                                          </p:stCondLst>
+                                        </p:cTn>
+                                        <p:tgtEl>
+                                          <p:spTgt spid="12"/>
+                                        </p:tgtEl>
+                                        <p:attrNameLst>
+                                          <p:attrName>style.visibility</p:attrName>
+                                        </p:attrNameLst>
+                                      </p:cBhvr>
+                                      <p:to>
+                                        <p:strVal val="visible"/>
+                                      </p:to>
+                                    </p:set>
+                                    <p:animEffect transition="in" filter="wipe(right)">
+                                      <p:cBhvr>
+                                        <p:cTn id="26" dur="500"/>
+                                        <p:tgtEl>
+                                          <p:spTgt spid="12"/>
+                                        </p:tgtEl>
+                                      </p:cBhvr>
+                                    </p:animEffect>
+                                  </p:childTnLst>
+                                </p:cTn>
+                              </p:par>
+                            </p:childTnLst>
+                          </p:cTn>
+                        </p:par>
+                      </p:childTnLst>
+                    </p:cTn>
+                  </p:par>
+                  <p:par>
+                    <p:cTn id="27" fill="hold">
+                      <p:stCondLst>
+                        <p:cond delay="indefinite"/>
+                      </p:stCondLst>
+                      <p:childTnLst>
+                        <p:par>
+                          <p:cTn id="28" fill="hold">
+                            <p:stCondLst>
+                              <p:cond delay="0"/>
+                            </p:stCondLst>
+                            <p:childTnLst>
+                              <p:par>
+                                <p:cTn id="29" presetID="22" presetClass="entr" presetSubtype="2" fill="hold" nodeType="clickEffect">
+                                  <p:stCondLst>
+                                    <p:cond delay="0"/>
+                                  </p:stCondLst>
+                                  <p:childTnLst>
+                                    <p:set>
+                                      <p:cBhvr>
+                                        <p:cTn id="30" dur="1" fill="hold">
+                                          <p:stCondLst>
+                                            <p:cond delay="0"/>
+                                          </p:stCondLst>
+                                        </p:cTn>
+                                        <p:tgtEl>
+                                          <p:spTgt spid="13"/>
+                                        </p:tgtEl>
+                                        <p:attrNameLst>
+                                          <p:attrName>style.visibility</p:attrName>
+                                        </p:attrNameLst>
+                                      </p:cBhvr>
+                                      <p:to>
+                                        <p:strVal val="visible"/>
+                                      </p:to>
+                                    </p:set>
+                                    <p:animEffect transition="in" filter="wipe(right)">
+                                      <p:cBhvr>
+                                        <p:cTn id="31" dur="500"/>
+                                        <p:tgtEl>
+                                          <p:spTgt spid="13"/>
+                                        </p:tgtEl>
+                                      </p:cBhvr>
+                                    </p:animEffect>
+                                  </p:childTnLst>
+                                </p:cTn>
+                              </p:par>
+                            </p:childTnLst>
+                          </p:cTn>
+                        </p:par>
+                      </p:childTnLst>
+                    </p:cTn>
+                  </p:par>
+                  <p:par>
+                    <p:cTn id="32" fill="hold">
+                      <p:stCondLst>
+                        <p:cond delay="indefinite"/>
+                      </p:stCondLst>
+                      <p:childTnLst>
+                        <p:par>
+                          <p:cTn id="33" fill="hold">
+                            <p:stCondLst>
+                              <p:cond delay="0"/>
+                            </p:stCondLst>
+                            <p:childTnLst>
+                              <p:par>
+                                <p:cTn id="34" presetID="22" presetClass="entr" presetSubtype="4" fill="hold" nodeType="clickEffect">
+                                  <p:stCondLst>
+                                    <p:cond delay="0"/>
+                                  </p:stCondLst>
+                                  <p:childTnLst>
+                                    <p:set>
+                                      <p:cBhvr>
+                                        <p:cTn id="35" dur="1" fill="hold">
+                                          <p:stCondLst>
+                                            <p:cond delay="0"/>
+                                          </p:stCondLst>
+                                        </p:cTn>
+                                        <p:tgtEl>
+                                          <p:spTgt spid="14"/>
+                                        </p:tgtEl>
+                                        <p:attrNameLst>
+                                          <p:attrName>style.visibility</p:attrName>
+                                        </p:attrNameLst>
+                                      </p:cBhvr>
+                                      <p:to>
+                                        <p:strVal val="visible"/>
+                                      </p:to>
+                                    </p:set>
+                                    <p:animEffect transition="in" filter="wipe(down)">
+                                      <p:cBhvr>
+                                        <p:cTn id="36" dur="500"/>
+                                        <p:tgtEl>
+                                          <p:spTgt spid="14"/>
+                                        </p:tgtEl>
+                                      </p:cBhvr>
+                                    </p:animEffect>
+                                  </p:childTnLst>
+                                </p:cTn>
+                              </p:par>
+                            </p:childTnLst>
+                          </p:cTn>
+                        </p:par>
+                      </p:childTnLst>
+                    </p:cTn>
+                  </p:par>
                 </p:childTnLst>
               </p:cTn>
               <p:prevCondLst>
@@ -25252,88 +28124,48 @@
           </a:prstGeom>
         </p:spPr>
       </p:pic>
-      <p:pic>
-        <p:nvPicPr>
-          <p:cNvPr id="6" name="Picture 5">
-            <a:extLst>
-              <a:ext uri="{FF2B5EF4-FFF2-40B4-BE49-F238E27FC236}">
-                <a16:creationId xmlns:a16="http://schemas.microsoft.com/office/drawing/2014/main" id="{F24EE645-F997-4AC0-8B04-07FF9779E087}"/>
-              </a:ext>
-            </a:extLst>
-          </p:cNvPr>
-          <p:cNvPicPr>
-            <a:picLocks noChangeAspect="1"/>
-          </p:cNvPicPr>
+      <p:cxnSp>
+        <p:nvCxnSpPr>
+          <p:cNvPr id="8" name="Straight Arrow Connector 7">
+            <a:extLst>
+              <a:ext uri="{FF2B5EF4-FFF2-40B4-BE49-F238E27FC236}">
+                <a16:creationId xmlns:a16="http://schemas.microsoft.com/office/drawing/2014/main" id="{92A5D595-099C-4526-97A4-1B139CB251F8}"/>
+              </a:ext>
+            </a:extLst>
+          </p:cNvPr>
+          <p:cNvCxnSpPr/>
           <p:nvPr/>
-        </p:nvPicPr>
-        <p:blipFill>
-          <a:blip r:embed="rId6"/>
-          <a:stretch>
-            <a:fillRect/>
-          </a:stretch>
-        </p:blipFill>
+        </p:nvCxnSpPr>
         <p:spPr>
-          <a:xfrm>
-            <a:off x="2178134" y="5999397"/>
-            <a:ext cx="3130501" cy="686227"/>
+          <a:xfrm flipV="1">
+            <a:off x="2676939" y="3429000"/>
+            <a:ext cx="0" cy="1991139"/>
           </a:xfrm>
-          <a:prstGeom prst="rect">
+          <a:prstGeom prst="straightConnector1">
             <a:avLst/>
           </a:prstGeom>
-        </p:spPr>
-      </p:pic>
-      <p:sp>
-        <p:nvSpPr>
-          <p:cNvPr id="7" name="Oval 6">
-            <a:extLst>
-              <a:ext uri="{FF2B5EF4-FFF2-40B4-BE49-F238E27FC236}">
-                <a16:creationId xmlns:a16="http://schemas.microsoft.com/office/drawing/2014/main" id="{1D4DC4E3-4596-46F6-9CC3-DEF9EE8E9991}"/>
-              </a:ext>
-            </a:extLst>
-          </p:cNvPr>
-          <p:cNvSpPr/>
-          <p:nvPr/>
-        </p:nvSpPr>
-        <p:spPr>
-          <a:xfrm>
-            <a:off x="4678017" y="6284780"/>
-            <a:ext cx="424069" cy="270474"/>
-          </a:xfrm>
-          <a:prstGeom prst="ellipse">
-            <a:avLst/>
-          </a:prstGeom>
-          <a:noFill/>
           <a:ln>
             <a:solidFill>
-              <a:schemeClr val="tx2"/>
+              <a:srgbClr val="002060"/>
             </a:solidFill>
+            <a:tailEnd type="triangle"/>
           </a:ln>
         </p:spPr>
         <p:style>
-          <a:lnRef idx="2">
-            <a:schemeClr val="accent1">
-              <a:shade val="50000"/>
-            </a:schemeClr>
+          <a:lnRef idx="1">
+            <a:schemeClr val="accent1"/>
           </a:lnRef>
-          <a:fillRef idx="1">
+          <a:fillRef idx="0">
             <a:schemeClr val="accent1"/>
           </a:fillRef>
           <a:effectRef idx="0">
             <a:schemeClr val="accent1"/>
           </a:effectRef>
           <a:fontRef idx="minor">
-            <a:schemeClr val="lt1"/>
+            <a:schemeClr val="tx1"/>
           </a:fontRef>
         </p:style>
-        <p:txBody>
-          <a:bodyPr rtlCol="0" anchor="ctr"/>
-          <a:lstStyle/>
-          <a:p>
-            <a:pPr algn="ctr"/>
-            <a:endParaRPr lang="en-US"/>
-          </a:p>
-        </p:txBody>
-      </p:sp>
+      </p:cxnSp>
     </p:spTree>
     <p:extLst>
       <p:ext uri="{BB962C8B-B14F-4D97-AF65-F5344CB8AC3E}">
@@ -25344,6 +28176,18 @@
   <p:clrMapOvr>
     <a:masterClrMapping/>
   </p:clrMapOvr>
+  <mc:AlternateContent xmlns:mc="http://schemas.openxmlformats.org/markup-compatibility/2006" xmlns:p15="http://schemas.microsoft.com/office/powerpoint/2012/main">
+    <mc:Choice Requires="p15">
+      <p:transition xmlns:p14="http://schemas.microsoft.com/office/powerpoint/2010/main" spd="slow" p14:dur="1250">
+        <p15:prstTrans prst="pageCurlDouble"/>
+      </p:transition>
+    </mc:Choice>
+    <mc:Fallback xmlns="">
+      <p:transition spd="slow">
+        <p:fade/>
+      </p:transition>
+    </mc:Fallback>
+  </mc:AlternateContent>
   <p:timing>
     <p:tnLst>
       <p:par>
@@ -25464,7 +28308,7 @@
                             </p:stCondLst>
                             <p:childTnLst>
                               <p:par>
-                                <p:cTn id="12" presetID="22" presetClass="entr" presetSubtype="1" fill="hold" nodeType="clickEffect">
+                                <p:cTn id="12" presetID="22" presetClass="entr" presetSubtype="4" fill="hold" nodeType="clickEffect">
                                   <p:stCondLst>
                                     <p:cond delay="0"/>
                                   </p:stCondLst>
@@ -25477,7 +28321,7 @@
                                           </p:stCondLst>
                                         </p:cTn>
                                         <p:tgtEl>
-                                          <p:spTgt spid="6"/>
+                                          <p:spTgt spid="8"/>
                                         </p:tgtEl>
                                         <p:attrNameLst>
                                           <p:attrName>style.visibility</p:attrName>
@@ -25487,64 +28331,11 @@
                                         <p:strVal val="visible"/>
                                       </p:to>
                                     </p:set>
-                                    <p:animEffect transition="in" filter="wipe(up)">
+                                    <p:animEffect transition="in" filter="wipe(down)">
                                       <p:cBhvr>
                                         <p:cTn id="14" dur="500"/>
                                         <p:tgtEl>
-                                          <p:spTgt spid="6"/>
-                                        </p:tgtEl>
-                                      </p:cBhvr>
-                                    </p:animEffect>
-                                  </p:childTnLst>
-                                </p:cTn>
-                              </p:par>
-                            </p:childTnLst>
-                          </p:cTn>
-                        </p:par>
-                      </p:childTnLst>
-                    </p:cTn>
-                  </p:par>
-                  <p:par>
-                    <p:cTn id="15" fill="hold">
-                      <p:stCondLst>
-                        <p:cond delay="indefinite"/>
-                      </p:stCondLst>
-                      <p:childTnLst>
-                        <p:par>
-                          <p:cTn id="16" fill="hold">
-                            <p:stCondLst>
-                              <p:cond delay="0"/>
-                            </p:stCondLst>
-                            <p:childTnLst>
-                              <p:par>
-                                <p:cTn id="17" presetID="21" presetClass="entr" presetSubtype="1" fill="hold" grpId="0" nodeType="clickEffect">
-                                  <p:stCondLst>
-                                    <p:cond delay="0"/>
-                                  </p:stCondLst>
-                                  <p:childTnLst>
-                                    <p:set>
-                                      <p:cBhvr>
-                                        <p:cTn id="18" dur="1" fill="hold">
-                                          <p:stCondLst>
-                                            <p:cond delay="0"/>
-                                          </p:stCondLst>
-                                        </p:cTn>
-                                        <p:tgtEl>
-                                          <p:spTgt spid="7"/>
-                                        </p:tgtEl>
-                                        <p:attrNameLst>
-                                          <p:attrName>style.visibility</p:attrName>
-                                        </p:attrNameLst>
-                                      </p:cBhvr>
-                                      <p:to>
-                                        <p:strVal val="visible"/>
-                                      </p:to>
-                                    </p:set>
-                                    <p:animEffect transition="in" filter="wheel(1)">
-                                      <p:cBhvr>
-                                        <p:cTn id="19" dur="2000"/>
-                                        <p:tgtEl>
-                                          <p:spTgt spid="7"/>
+                                          <p:spTgt spid="8"/>
                                         </p:tgtEl>
                                       </p:cBhvr>
                                     </p:animEffect>
@@ -25580,7 +28371,6 @@
     </p:tnLst>
     <p:bldLst>
       <p:bldP spid="24" grpId="0"/>
-      <p:bldP spid="7" grpId="0" animBg="1"/>
     </p:bldLst>
   </p:timing>
 </p:sld>
@@ -25898,6 +28688,58 @@
           </a:prstGeom>
         </p:spPr>
       </p:pic>
+      <p:sp>
+        <p:nvSpPr>
+          <p:cNvPr id="4" name="Oval 3">
+            <a:extLst>
+              <a:ext uri="{FF2B5EF4-FFF2-40B4-BE49-F238E27FC236}">
+                <a16:creationId xmlns:a16="http://schemas.microsoft.com/office/drawing/2014/main" id="{64ECBD5C-C65C-49C6-8F38-D277A643900A}"/>
+              </a:ext>
+            </a:extLst>
+          </p:cNvPr>
+          <p:cNvSpPr/>
+          <p:nvPr/>
+        </p:nvSpPr>
+        <p:spPr>
+          <a:xfrm>
+            <a:off x="1563757" y="5420139"/>
+            <a:ext cx="821634" cy="467424"/>
+          </a:xfrm>
+          <a:prstGeom prst="ellipse">
+            <a:avLst/>
+          </a:prstGeom>
+          <a:noFill/>
+          <a:ln>
+            <a:solidFill>
+              <a:srgbClr val="002060"/>
+            </a:solidFill>
+          </a:ln>
+        </p:spPr>
+        <p:style>
+          <a:lnRef idx="2">
+            <a:schemeClr val="accent1">
+              <a:shade val="50000"/>
+            </a:schemeClr>
+          </a:lnRef>
+          <a:fillRef idx="1">
+            <a:schemeClr val="accent1"/>
+          </a:fillRef>
+          <a:effectRef idx="0">
+            <a:schemeClr val="accent1"/>
+          </a:effectRef>
+          <a:fontRef idx="minor">
+            <a:schemeClr val="lt1"/>
+          </a:fontRef>
+        </p:style>
+        <p:txBody>
+          <a:bodyPr rtlCol="0" anchor="ctr"/>
+          <a:lstStyle/>
+          <a:p>
+            <a:pPr algn="ctr"/>
+            <a:endParaRPr lang="en-US"/>
+          </a:p>
+        </p:txBody>
+      </p:sp>
     </p:spTree>
     <p:extLst>
       <p:ext uri="{BB962C8B-B14F-4D97-AF65-F5344CB8AC3E}">
@@ -25908,6 +28750,18 @@
   <p:clrMapOvr>
     <a:masterClrMapping/>
   </p:clrMapOvr>
+  <mc:AlternateContent xmlns:mc="http://schemas.openxmlformats.org/markup-compatibility/2006" xmlns:p15="http://schemas.microsoft.com/office/powerpoint/2012/main">
+    <mc:Choice Requires="p15">
+      <p:transition xmlns:p14="http://schemas.microsoft.com/office/powerpoint/2010/main" spd="slow" p14:dur="1250">
+        <p15:prstTrans prst="pageCurlDouble"/>
+      </p:transition>
+    </mc:Choice>
+    <mc:Fallback xmlns="">
+      <p:transition spd="slow">
+        <p:fade/>
+      </p:transition>
+    </mc:Fallback>
+  </mc:AlternateContent>
   <p:timing>
     <p:tnLst>
       <p:par>
@@ -26015,6 +28869,59 @@
                       </p:childTnLst>
                     </p:cTn>
                   </p:par>
+                  <p:par>
+                    <p:cTn id="10" fill="hold">
+                      <p:stCondLst>
+                        <p:cond delay="indefinite"/>
+                      </p:stCondLst>
+                      <p:childTnLst>
+                        <p:par>
+                          <p:cTn id="11" fill="hold">
+                            <p:stCondLst>
+                              <p:cond delay="0"/>
+                            </p:stCondLst>
+                            <p:childTnLst>
+                              <p:par>
+                                <p:cTn id="12" presetID="16" presetClass="entr" presetSubtype="21" fill="hold" grpId="0" nodeType="clickEffect">
+                                  <p:stCondLst>
+                                    <p:cond delay="0"/>
+                                  </p:stCondLst>
+                                  <p:childTnLst>
+                                    <p:set>
+                                      <p:cBhvr>
+                                        <p:cTn id="13" dur="1" fill="hold">
+                                          <p:stCondLst>
+                                            <p:cond delay="0"/>
+                                          </p:stCondLst>
+                                        </p:cTn>
+                                        <p:tgtEl>
+                                          <p:spTgt spid="4"/>
+                                        </p:tgtEl>
+                                        <p:attrNameLst>
+                                          <p:attrName>style.visibility</p:attrName>
+                                        </p:attrNameLst>
+                                      </p:cBhvr>
+                                      <p:to>
+                                        <p:strVal val="visible"/>
+                                      </p:to>
+                                    </p:set>
+                                    <p:animEffect transition="in" filter="barn(inVertical)">
+                                      <p:cBhvr>
+                                        <p:cTn id="14" dur="500"/>
+                                        <p:tgtEl>
+                                          <p:spTgt spid="4"/>
+                                        </p:tgtEl>
+                                      </p:cBhvr>
+                                    </p:animEffect>
+                                  </p:childTnLst>
+                                </p:cTn>
+                              </p:par>
+                            </p:childTnLst>
+                          </p:cTn>
+                        </p:par>
+                      </p:childTnLst>
+                    </p:cTn>
+                  </p:par>
                 </p:childTnLst>
               </p:cTn>
               <p:prevCondLst>
@@ -26038,6 +28945,7 @@
     </p:tnLst>
     <p:bldLst>
       <p:bldP spid="24" grpId="0"/>
+      <p:bldP spid="4" grpId="0" animBg="1"/>
     </p:bldLst>
   </p:timing>
 </p:sld>
@@ -26317,7 +29225,7 @@
         </p:blipFill>
         <p:spPr>
           <a:xfrm>
-            <a:off x="480999" y="2428243"/>
+            <a:off x="436943" y="2496261"/>
             <a:ext cx="4963165" cy="3621571"/>
           </a:xfrm>
           <a:prstGeom prst="rect">
@@ -26365,6 +29273,18 @@
   <p:clrMapOvr>
     <a:masterClrMapping/>
   </p:clrMapOvr>
+  <mc:AlternateContent xmlns:mc="http://schemas.openxmlformats.org/markup-compatibility/2006" xmlns:p15="http://schemas.microsoft.com/office/powerpoint/2012/main">
+    <mc:Choice Requires="p15">
+      <p:transition xmlns:p14="http://schemas.microsoft.com/office/powerpoint/2010/main" spd="slow" p14:dur="1250">
+        <p15:prstTrans prst="pageCurlDouble"/>
+      </p:transition>
+    </mc:Choice>
+    <mc:Fallback xmlns="">
+      <p:transition spd="slow">
+        <p:fade/>
+      </p:transition>
+    </mc:Fallback>
+  </mc:AlternateContent>
   <p:timing>
     <p:tnLst>
       <p:par>
